--- a/LLMProject_SemEval.pptx
+++ b/LLMProject_SemEval.pptx
@@ -5,24 +5,27 @@
     <p:sldMasterId id="2147483891" r:id="rId1"/>
   </p:sldMasterIdLst>
   <p:notesMasterIdLst>
-    <p:notesMasterId r:id="rId4"/>
+    <p:notesMasterId r:id="rId7"/>
   </p:notesMasterIdLst>
   <p:handoutMasterIdLst>
-    <p:handoutMasterId r:id="rId5"/>
+    <p:handoutMasterId r:id="rId8"/>
   </p:handoutMasterIdLst>
   <p:sldIdLst>
     <p:sldId id="296" r:id="rId2"/>
     <p:sldId id="297" r:id="rId3"/>
+    <p:sldId id="298" r:id="rId4"/>
+    <p:sldId id="300" r:id="rId5"/>
+    <p:sldId id="299" r:id="rId6"/>
   </p:sldIdLst>
   <p:sldSz cx="12192000" cy="6858000"/>
   <p:notesSz cx="6858000" cy="9144000"/>
   <p:embeddedFontLst>
     <p:embeddedFont>
       <p:font typeface="Open Sans" panose="020B0606030504020204" pitchFamily="34" charset="0"/>
-      <p:regular r:id="rId6"/>
-      <p:bold r:id="rId7"/>
-      <p:italic r:id="rId8"/>
-      <p:boldItalic r:id="rId9"/>
+      <p:regular r:id="rId9"/>
+      <p:bold r:id="rId10"/>
+      <p:italic r:id="rId11"/>
+      <p:boldItalic r:id="rId12"/>
     </p:embeddedFont>
   </p:embeddedFontLst>
   <p:defaultTextStyle>
@@ -225,7 +228,7 @@
           <a:p>
             <a:fld id="{C6AC6211-610F-44E5-BF19-D3CDF6EDD281}" type="datetimeFigureOut">
               <a:rPr lang="de-DE" smtClean="0"/>
-              <a:t>21.01.25</a:t>
+              <a:t>22.01.25</a:t>
             </a:fld>
             <a:endParaRPr lang="de-DE"/>
           </a:p>
@@ -391,7 +394,7 @@
           <a:p>
             <a:fld id="{347435D3-23A6-45D3-8DFA-7317DC1E7A64}" type="datetimeFigureOut">
               <a:rPr lang="de-DE" smtClean="0"/>
-              <a:t>21.01.25</a:t>
+              <a:t>22.01.25</a:t>
             </a:fld>
             <a:endParaRPr lang="de-DE"/>
           </a:p>
@@ -6017,6 +6020,377 @@
     <p:extLst>
       <p:ext uri="{BB962C8B-B14F-4D97-AF65-F5344CB8AC3E}">
         <p14:creationId xmlns:p14="http://schemas.microsoft.com/office/powerpoint/2010/main" val="2836748363"/>
+      </p:ext>
+    </p:extLst>
+  </p:cSld>
+  <p:clrMapOvr>
+    <a:masterClrMapping/>
+  </p:clrMapOvr>
+</p:sld>
+</file>
+
+<file path=ppt/slides/slide3.xml><?xml version="1.0" encoding="utf-8"?>
+<p:sld xmlns:a="http://schemas.openxmlformats.org/drawingml/2006/main" xmlns:r="http://schemas.openxmlformats.org/officeDocument/2006/relationships" xmlns:p="http://schemas.openxmlformats.org/presentationml/2006/main">
+  <p:cSld>
+    <p:spTree>
+      <p:nvGrpSpPr>
+        <p:cNvPr id="1" name=""/>
+        <p:cNvGrpSpPr/>
+        <p:nvPr/>
+      </p:nvGrpSpPr>
+      <p:grpSpPr>
+        <a:xfrm>
+          <a:off x="0" y="0"/>
+          <a:ext cx="0" cy="0"/>
+          <a:chOff x="0" y="0"/>
+          <a:chExt cx="0" cy="0"/>
+        </a:xfrm>
+      </p:grpSpPr>
+      <p:sp>
+        <p:nvSpPr>
+          <p:cNvPr id="2" name="Title 1">
+            <a:extLst>
+              <a:ext uri="{FF2B5EF4-FFF2-40B4-BE49-F238E27FC236}">
+                <a16:creationId xmlns:a16="http://schemas.microsoft.com/office/drawing/2014/main" id="{DA7A0D63-63D8-608A-E30A-1580C61D575A}"/>
+              </a:ext>
+            </a:extLst>
+          </p:cNvPr>
+          <p:cNvSpPr>
+            <a:spLocks noGrp="1"/>
+          </p:cNvSpPr>
+          <p:nvPr>
+            <p:ph type="title"/>
+          </p:nvPr>
+        </p:nvSpPr>
+        <p:spPr/>
+        <p:txBody>
+          <a:bodyPr/>
+          <a:lstStyle/>
+          <a:p>
+            <a:r>
+              <a:rPr lang="en-US" dirty="0"/>
+              <a:t>Evaluation Metric</a:t>
+            </a:r>
+          </a:p>
+        </p:txBody>
+      </p:sp>
+      <p:sp>
+        <p:nvSpPr>
+          <p:cNvPr id="3" name="Content Placeholder 2">
+            <a:extLst>
+              <a:ext uri="{FF2B5EF4-FFF2-40B4-BE49-F238E27FC236}">
+                <a16:creationId xmlns:a16="http://schemas.microsoft.com/office/drawing/2014/main" id="{0D69D9ED-4DA7-20E4-68E7-689371D7581C}"/>
+              </a:ext>
+            </a:extLst>
+          </p:cNvPr>
+          <p:cNvSpPr>
+            <a:spLocks noGrp="1"/>
+          </p:cNvSpPr>
+          <p:nvPr>
+            <p:ph sz="quarter" idx="10"/>
+          </p:nvPr>
+        </p:nvSpPr>
+        <p:spPr/>
+        <p:txBody>
+          <a:bodyPr/>
+          <a:lstStyle/>
+          <a:p>
+            <a:r>
+              <a:rPr lang="en-US" sz="1400" dirty="0"/>
+              <a:t>F1 Score Standard</a:t>
+            </a:r>
+          </a:p>
+          <a:p>
+            <a:pPr marL="285750" indent="-285750">
+              <a:buFontTx/>
+              <a:buChar char="-"/>
+            </a:pPr>
+            <a:r>
+              <a:rPr lang="en-US" sz="1400" b="0" dirty="0"/>
+              <a:t>what’s used in </a:t>
+            </a:r>
+            <a:r>
+              <a:rPr lang="en-US" sz="1400" b="0" dirty="0" err="1"/>
+              <a:t>SemEval</a:t>
+            </a:r>
+            <a:r>
+              <a:rPr lang="en-US" sz="1400" b="0" dirty="0"/>
+              <a:t> Competition</a:t>
+            </a:r>
+          </a:p>
+          <a:p>
+            <a:r>
+              <a:rPr lang="en-US" sz="1400" dirty="0"/>
+              <a:t>Macro Averaging : </a:t>
+            </a:r>
+          </a:p>
+          <a:p>
+            <a:pPr marL="342900" indent="-342900">
+              <a:buFontTx/>
+              <a:buChar char="-"/>
+            </a:pPr>
+            <a:r>
+              <a:rPr lang="en-US" sz="1400" b="0" dirty="0"/>
+              <a:t>Precision, F1, Recall treating all 5 emotions equally regardless of its frequency </a:t>
+            </a:r>
+          </a:p>
+          <a:p>
+            <a:r>
+              <a:rPr lang="en-US" sz="1400" dirty="0"/>
+              <a:t>Hamming Loss : </a:t>
+            </a:r>
+          </a:p>
+          <a:p>
+            <a:pPr marL="342900" indent="-342900">
+              <a:buFontTx/>
+              <a:buChar char="-"/>
+            </a:pPr>
+            <a:r>
+              <a:rPr lang="en-GB" sz="1400" b="0" dirty="0"/>
+              <a:t>Measuring how often labels are misclassified across the dataset.</a:t>
+            </a:r>
+          </a:p>
+          <a:p>
+            <a:pPr marL="342900" indent="-342900">
+              <a:buFontTx/>
+              <a:buChar char="-"/>
+            </a:pPr>
+            <a:r>
+              <a:rPr lang="en-GB" sz="1400" b="0" dirty="0"/>
+              <a:t>If the model incorrectly predicts "joy" for a text but correctly predicts "anger," Hamming Loss captures the specific misclassification</a:t>
+            </a:r>
+          </a:p>
+          <a:p>
+            <a:r>
+              <a:rPr lang="en-GB" sz="1400" dirty="0"/>
+              <a:t>Subset Accuracy : </a:t>
+            </a:r>
+          </a:p>
+          <a:p>
+            <a:pPr marL="285750" indent="-285750">
+              <a:buFontTx/>
+              <a:buChar char="-"/>
+            </a:pPr>
+            <a:r>
+              <a:rPr lang="en-GB" sz="1400" b="0" dirty="0"/>
+              <a:t>Scenarios where you need the model to predict all emotions for a given text perfectly</a:t>
+            </a:r>
+          </a:p>
+          <a:p>
+            <a:endParaRPr lang="en-GB" sz="1600" b="0" dirty="0"/>
+          </a:p>
+          <a:p>
+            <a:endParaRPr lang="en-GB" sz="1400" dirty="0"/>
+          </a:p>
+        </p:txBody>
+      </p:sp>
+    </p:spTree>
+    <p:extLst>
+      <p:ext uri="{BB962C8B-B14F-4D97-AF65-F5344CB8AC3E}">
+        <p14:creationId xmlns:p14="http://schemas.microsoft.com/office/powerpoint/2010/main" val="1170620728"/>
+      </p:ext>
+    </p:extLst>
+  </p:cSld>
+  <p:clrMapOvr>
+    <a:masterClrMapping/>
+  </p:clrMapOvr>
+</p:sld>
+</file>
+
+<file path=ppt/slides/slide4.xml><?xml version="1.0" encoding="utf-8"?>
+<p:sld xmlns:a="http://schemas.openxmlformats.org/drawingml/2006/main" xmlns:r="http://schemas.openxmlformats.org/officeDocument/2006/relationships" xmlns:p="http://schemas.openxmlformats.org/presentationml/2006/main">
+  <p:cSld>
+    <p:spTree>
+      <p:nvGrpSpPr>
+        <p:cNvPr id="1" name=""/>
+        <p:cNvGrpSpPr/>
+        <p:nvPr/>
+      </p:nvGrpSpPr>
+      <p:grpSpPr>
+        <a:xfrm>
+          <a:off x="0" y="0"/>
+          <a:ext cx="0" cy="0"/>
+          <a:chOff x="0" y="0"/>
+          <a:chExt cx="0" cy="0"/>
+        </a:xfrm>
+      </p:grpSpPr>
+      <p:sp>
+        <p:nvSpPr>
+          <p:cNvPr id="2" name="Title 1">
+            <a:extLst>
+              <a:ext uri="{FF2B5EF4-FFF2-40B4-BE49-F238E27FC236}">
+                <a16:creationId xmlns:a16="http://schemas.microsoft.com/office/drawing/2014/main" id="{C3FC0181-5BDE-8DA7-23A7-AA0A74E5C611}"/>
+              </a:ext>
+            </a:extLst>
+          </p:cNvPr>
+          <p:cNvSpPr>
+            <a:spLocks noGrp="1"/>
+          </p:cNvSpPr>
+          <p:nvPr>
+            <p:ph type="title"/>
+          </p:nvPr>
+        </p:nvSpPr>
+        <p:spPr/>
+        <p:txBody>
+          <a:bodyPr/>
+          <a:lstStyle/>
+          <a:p>
+            <a:r>
+              <a:rPr lang="en-US"/>
+              <a:t>Current State :</a:t>
+            </a:r>
+          </a:p>
+        </p:txBody>
+      </p:sp>
+      <p:pic>
+        <p:nvPicPr>
+          <p:cNvPr id="4" name="Content Placeholder 3">
+            <a:extLst>
+              <a:ext uri="{FF2B5EF4-FFF2-40B4-BE49-F238E27FC236}">
+                <a16:creationId xmlns:a16="http://schemas.microsoft.com/office/drawing/2014/main" id="{46EF061C-A5C3-92CF-9BF2-47403911E73D}"/>
+              </a:ext>
+            </a:extLst>
+          </p:cNvPr>
+          <p:cNvPicPr>
+            <a:picLocks noGrp="1" noChangeAspect="1"/>
+          </p:cNvPicPr>
+          <p:nvPr>
+            <p:ph sz="quarter" idx="10"/>
+          </p:nvPr>
+        </p:nvPicPr>
+        <p:blipFill>
+          <a:blip r:embed="rId2"/>
+          <a:stretch>
+            <a:fillRect/>
+          </a:stretch>
+        </p:blipFill>
+        <p:spPr>
+          <a:xfrm>
+            <a:off x="874712" y="1502038"/>
+            <a:ext cx="4178300" cy="3441700"/>
+          </a:xfrm>
+          <a:prstGeom prst="rect">
+            <a:avLst/>
+          </a:prstGeom>
+        </p:spPr>
+      </p:pic>
+      <p:pic>
+        <p:nvPicPr>
+          <p:cNvPr id="5" name="Picture 4">
+            <a:extLst>
+              <a:ext uri="{FF2B5EF4-FFF2-40B4-BE49-F238E27FC236}">
+                <a16:creationId xmlns:a16="http://schemas.microsoft.com/office/drawing/2014/main" id="{0BBDB565-DB39-5A7C-B0D1-018EDBF5F95E}"/>
+              </a:ext>
+            </a:extLst>
+          </p:cNvPr>
+          <p:cNvPicPr>
+            <a:picLocks noChangeAspect="1"/>
+          </p:cNvPicPr>
+          <p:nvPr/>
+        </p:nvPicPr>
+        <p:blipFill>
+          <a:blip r:embed="rId3"/>
+          <a:stretch>
+            <a:fillRect/>
+          </a:stretch>
+        </p:blipFill>
+        <p:spPr>
+          <a:xfrm>
+            <a:off x="6165055" y="1502038"/>
+            <a:ext cx="4178300" cy="4254500"/>
+          </a:xfrm>
+          <a:prstGeom prst="rect">
+            <a:avLst/>
+          </a:prstGeom>
+        </p:spPr>
+      </p:pic>
+    </p:spTree>
+    <p:extLst>
+      <p:ext uri="{BB962C8B-B14F-4D97-AF65-F5344CB8AC3E}">
+        <p14:creationId xmlns:p14="http://schemas.microsoft.com/office/powerpoint/2010/main" val="479784887"/>
+      </p:ext>
+    </p:extLst>
+  </p:cSld>
+  <p:clrMapOvr>
+    <a:masterClrMapping/>
+  </p:clrMapOvr>
+</p:sld>
+</file>
+
+<file path=ppt/slides/slide5.xml><?xml version="1.0" encoding="utf-8"?>
+<p:sld xmlns:a="http://schemas.openxmlformats.org/drawingml/2006/main" xmlns:r="http://schemas.openxmlformats.org/officeDocument/2006/relationships" xmlns:p="http://schemas.openxmlformats.org/presentationml/2006/main">
+  <p:cSld>
+    <p:spTree>
+      <p:nvGrpSpPr>
+        <p:cNvPr id="1" name=""/>
+        <p:cNvGrpSpPr/>
+        <p:nvPr/>
+      </p:nvGrpSpPr>
+      <p:grpSpPr>
+        <a:xfrm>
+          <a:off x="0" y="0"/>
+          <a:ext cx="0" cy="0"/>
+          <a:chOff x="0" y="0"/>
+          <a:chExt cx="0" cy="0"/>
+        </a:xfrm>
+      </p:grpSpPr>
+      <p:sp>
+        <p:nvSpPr>
+          <p:cNvPr id="2" name="Title 1">
+            <a:extLst>
+              <a:ext uri="{FF2B5EF4-FFF2-40B4-BE49-F238E27FC236}">
+                <a16:creationId xmlns:a16="http://schemas.microsoft.com/office/drawing/2014/main" id="{5C44F611-2495-BE87-37C6-16CA3B0313B0}"/>
+              </a:ext>
+            </a:extLst>
+          </p:cNvPr>
+          <p:cNvSpPr>
+            <a:spLocks noGrp="1"/>
+          </p:cNvSpPr>
+          <p:nvPr>
+            <p:ph type="title"/>
+          </p:nvPr>
+        </p:nvSpPr>
+        <p:spPr/>
+        <p:txBody>
+          <a:bodyPr/>
+          <a:lstStyle/>
+          <a:p>
+            <a:r>
+              <a:rPr lang="en-US" dirty="0"/>
+              <a:t>SHAP</a:t>
+            </a:r>
+          </a:p>
+        </p:txBody>
+      </p:sp>
+      <p:sp>
+        <p:nvSpPr>
+          <p:cNvPr id="3" name="Content Placeholder 2">
+            <a:extLst>
+              <a:ext uri="{FF2B5EF4-FFF2-40B4-BE49-F238E27FC236}">
+                <a16:creationId xmlns:a16="http://schemas.microsoft.com/office/drawing/2014/main" id="{5C057183-5FC9-514A-7085-E85728AFCDC0}"/>
+              </a:ext>
+            </a:extLst>
+          </p:cNvPr>
+          <p:cNvSpPr>
+            <a:spLocks noGrp="1"/>
+          </p:cNvSpPr>
+          <p:nvPr>
+            <p:ph sz="quarter" idx="10"/>
+          </p:nvPr>
+        </p:nvSpPr>
+        <p:spPr/>
+        <p:txBody>
+          <a:bodyPr/>
+          <a:lstStyle/>
+          <a:p>
+            <a:endParaRPr lang="en-US" dirty="0"/>
+          </a:p>
+        </p:txBody>
+      </p:sp>
+    </p:spTree>
+    <p:extLst>
+      <p:ext uri="{BB962C8B-B14F-4D97-AF65-F5344CB8AC3E}">
+        <p14:creationId xmlns:p14="http://schemas.microsoft.com/office/powerpoint/2010/main" val="3901789197"/>
       </p:ext>
     </p:extLst>
   </p:cSld>

--- a/LLMProject_SemEval.pptx
+++ b/LLMProject_SemEval.pptx
@@ -5,27 +5,30 @@
     <p:sldMasterId id="2147483891" r:id="rId1"/>
   </p:sldMasterIdLst>
   <p:notesMasterIdLst>
-    <p:notesMasterId r:id="rId7"/>
+    <p:notesMasterId r:id="rId10"/>
   </p:notesMasterIdLst>
   <p:handoutMasterIdLst>
-    <p:handoutMasterId r:id="rId8"/>
+    <p:handoutMasterId r:id="rId11"/>
   </p:handoutMasterIdLst>
   <p:sldIdLst>
     <p:sldId id="296" r:id="rId2"/>
     <p:sldId id="297" r:id="rId3"/>
-    <p:sldId id="298" r:id="rId4"/>
-    <p:sldId id="300" r:id="rId5"/>
-    <p:sldId id="299" r:id="rId6"/>
+    <p:sldId id="300" r:id="rId4"/>
+    <p:sldId id="302" r:id="rId5"/>
+    <p:sldId id="303" r:id="rId6"/>
+    <p:sldId id="298" r:id="rId7"/>
+    <p:sldId id="301" r:id="rId8"/>
+    <p:sldId id="299" r:id="rId9"/>
   </p:sldIdLst>
   <p:sldSz cx="12192000" cy="6858000"/>
   <p:notesSz cx="6858000" cy="9144000"/>
   <p:embeddedFontLst>
     <p:embeddedFont>
       <p:font typeface="Open Sans" panose="020B0606030504020204" pitchFamily="34" charset="0"/>
-      <p:regular r:id="rId9"/>
-      <p:bold r:id="rId10"/>
-      <p:italic r:id="rId11"/>
-      <p:boldItalic r:id="rId12"/>
+      <p:regular r:id="rId12"/>
+      <p:bold r:id="rId13"/>
+      <p:italic r:id="rId14"/>
+      <p:boldItalic r:id="rId15"/>
     </p:embeddedFont>
   </p:embeddedFontLst>
   <p:defaultTextStyle>
@@ -228,7 +231,7 @@
           <a:p>
             <a:fld id="{C6AC6211-610F-44E5-BF19-D3CDF6EDD281}" type="datetimeFigureOut">
               <a:rPr lang="de-DE" smtClean="0"/>
-              <a:t>22.01.25</a:t>
+              <a:t>24.01.25</a:t>
             </a:fld>
             <a:endParaRPr lang="de-DE"/>
           </a:p>
@@ -394,7 +397,7 @@
           <a:p>
             <a:fld id="{347435D3-23A6-45D3-8DFA-7317DC1E7A64}" type="datetimeFigureOut">
               <a:rPr lang="de-DE" smtClean="0"/>
-              <a:t>22.01.25</a:t>
+              <a:t>24.01.25</a:t>
             </a:fld>
             <a:endParaRPr lang="de-DE"/>
           </a:p>
@@ -6051,174 +6054,6 @@
           <p:cNvPr id="2" name="Title 1">
             <a:extLst>
               <a:ext uri="{FF2B5EF4-FFF2-40B4-BE49-F238E27FC236}">
-                <a16:creationId xmlns:a16="http://schemas.microsoft.com/office/drawing/2014/main" id="{DA7A0D63-63D8-608A-E30A-1580C61D575A}"/>
-              </a:ext>
-            </a:extLst>
-          </p:cNvPr>
-          <p:cNvSpPr>
-            <a:spLocks noGrp="1"/>
-          </p:cNvSpPr>
-          <p:nvPr>
-            <p:ph type="title"/>
-          </p:nvPr>
-        </p:nvSpPr>
-        <p:spPr/>
-        <p:txBody>
-          <a:bodyPr/>
-          <a:lstStyle/>
-          <a:p>
-            <a:r>
-              <a:rPr lang="en-US" dirty="0"/>
-              <a:t>Evaluation Metric</a:t>
-            </a:r>
-          </a:p>
-        </p:txBody>
-      </p:sp>
-      <p:sp>
-        <p:nvSpPr>
-          <p:cNvPr id="3" name="Content Placeholder 2">
-            <a:extLst>
-              <a:ext uri="{FF2B5EF4-FFF2-40B4-BE49-F238E27FC236}">
-                <a16:creationId xmlns:a16="http://schemas.microsoft.com/office/drawing/2014/main" id="{0D69D9ED-4DA7-20E4-68E7-689371D7581C}"/>
-              </a:ext>
-            </a:extLst>
-          </p:cNvPr>
-          <p:cNvSpPr>
-            <a:spLocks noGrp="1"/>
-          </p:cNvSpPr>
-          <p:nvPr>
-            <p:ph sz="quarter" idx="10"/>
-          </p:nvPr>
-        </p:nvSpPr>
-        <p:spPr/>
-        <p:txBody>
-          <a:bodyPr/>
-          <a:lstStyle/>
-          <a:p>
-            <a:r>
-              <a:rPr lang="en-US" sz="1400" dirty="0"/>
-              <a:t>F1 Score Standard</a:t>
-            </a:r>
-          </a:p>
-          <a:p>
-            <a:pPr marL="285750" indent="-285750">
-              <a:buFontTx/>
-              <a:buChar char="-"/>
-            </a:pPr>
-            <a:r>
-              <a:rPr lang="en-US" sz="1400" b="0" dirty="0"/>
-              <a:t>what’s used in </a:t>
-            </a:r>
-            <a:r>
-              <a:rPr lang="en-US" sz="1400" b="0" dirty="0" err="1"/>
-              <a:t>SemEval</a:t>
-            </a:r>
-            <a:r>
-              <a:rPr lang="en-US" sz="1400" b="0" dirty="0"/>
-              <a:t> Competition</a:t>
-            </a:r>
-          </a:p>
-          <a:p>
-            <a:r>
-              <a:rPr lang="en-US" sz="1400" dirty="0"/>
-              <a:t>Macro Averaging : </a:t>
-            </a:r>
-          </a:p>
-          <a:p>
-            <a:pPr marL="342900" indent="-342900">
-              <a:buFontTx/>
-              <a:buChar char="-"/>
-            </a:pPr>
-            <a:r>
-              <a:rPr lang="en-US" sz="1400" b="0" dirty="0"/>
-              <a:t>Precision, F1, Recall treating all 5 emotions equally regardless of its frequency </a:t>
-            </a:r>
-          </a:p>
-          <a:p>
-            <a:r>
-              <a:rPr lang="en-US" sz="1400" dirty="0"/>
-              <a:t>Hamming Loss : </a:t>
-            </a:r>
-          </a:p>
-          <a:p>
-            <a:pPr marL="342900" indent="-342900">
-              <a:buFontTx/>
-              <a:buChar char="-"/>
-            </a:pPr>
-            <a:r>
-              <a:rPr lang="en-GB" sz="1400" b="0" dirty="0"/>
-              <a:t>Measuring how often labels are misclassified across the dataset.</a:t>
-            </a:r>
-          </a:p>
-          <a:p>
-            <a:pPr marL="342900" indent="-342900">
-              <a:buFontTx/>
-              <a:buChar char="-"/>
-            </a:pPr>
-            <a:r>
-              <a:rPr lang="en-GB" sz="1400" b="0" dirty="0"/>
-              <a:t>If the model incorrectly predicts "joy" for a text but correctly predicts "anger," Hamming Loss captures the specific misclassification</a:t>
-            </a:r>
-          </a:p>
-          <a:p>
-            <a:r>
-              <a:rPr lang="en-GB" sz="1400" dirty="0"/>
-              <a:t>Subset Accuracy : </a:t>
-            </a:r>
-          </a:p>
-          <a:p>
-            <a:pPr marL="285750" indent="-285750">
-              <a:buFontTx/>
-              <a:buChar char="-"/>
-            </a:pPr>
-            <a:r>
-              <a:rPr lang="en-GB" sz="1400" b="0" dirty="0"/>
-              <a:t>Scenarios where you need the model to predict all emotions for a given text perfectly</a:t>
-            </a:r>
-          </a:p>
-          <a:p>
-            <a:endParaRPr lang="en-GB" sz="1600" b="0" dirty="0"/>
-          </a:p>
-          <a:p>
-            <a:endParaRPr lang="en-GB" sz="1400" dirty="0"/>
-          </a:p>
-        </p:txBody>
-      </p:sp>
-    </p:spTree>
-    <p:extLst>
-      <p:ext uri="{BB962C8B-B14F-4D97-AF65-F5344CB8AC3E}">
-        <p14:creationId xmlns:p14="http://schemas.microsoft.com/office/powerpoint/2010/main" val="1170620728"/>
-      </p:ext>
-    </p:extLst>
-  </p:cSld>
-  <p:clrMapOvr>
-    <a:masterClrMapping/>
-  </p:clrMapOvr>
-</p:sld>
-</file>
-
-<file path=ppt/slides/slide4.xml><?xml version="1.0" encoding="utf-8"?>
-<p:sld xmlns:a="http://schemas.openxmlformats.org/drawingml/2006/main" xmlns:r="http://schemas.openxmlformats.org/officeDocument/2006/relationships" xmlns:p="http://schemas.openxmlformats.org/presentationml/2006/main">
-  <p:cSld>
-    <p:spTree>
-      <p:nvGrpSpPr>
-        <p:cNvPr id="1" name=""/>
-        <p:cNvGrpSpPr/>
-        <p:nvPr/>
-      </p:nvGrpSpPr>
-      <p:grpSpPr>
-        <a:xfrm>
-          <a:off x="0" y="0"/>
-          <a:ext cx="0" cy="0"/>
-          <a:chOff x="0" y="0"/>
-          <a:chExt cx="0" cy="0"/>
-        </a:xfrm>
-      </p:grpSpPr>
-      <p:sp>
-        <p:nvSpPr>
-          <p:cNvPr id="2" name="Title 1">
-            <a:extLst>
-              <a:ext uri="{FF2B5EF4-FFF2-40B4-BE49-F238E27FC236}">
                 <a16:creationId xmlns:a16="http://schemas.microsoft.com/office/drawing/2014/main" id="{C3FC0181-5BDE-8DA7-23A7-AA0A74E5C611}"/>
               </a:ext>
             </a:extLst>
@@ -6236,7 +6071,7 @@
           <a:lstStyle/>
           <a:p>
             <a:r>
-              <a:rPr lang="en-US"/>
+              <a:rPr lang="en-US" dirty="0"/>
               <a:t>Current State :</a:t>
             </a:r>
           </a:p>
@@ -6317,7 +6152,936 @@
 </p:sld>
 </file>
 
+<file path=ppt/slides/slide4.xml><?xml version="1.0" encoding="utf-8"?>
+<p:sld xmlns:a="http://schemas.openxmlformats.org/drawingml/2006/main" xmlns:r="http://schemas.openxmlformats.org/officeDocument/2006/relationships" xmlns:p="http://schemas.openxmlformats.org/presentationml/2006/main">
+  <p:cSld>
+    <p:spTree>
+      <p:nvGrpSpPr>
+        <p:cNvPr id="1" name=""/>
+        <p:cNvGrpSpPr/>
+        <p:nvPr/>
+      </p:nvGrpSpPr>
+      <p:grpSpPr>
+        <a:xfrm>
+          <a:off x="0" y="0"/>
+          <a:ext cx="0" cy="0"/>
+          <a:chOff x="0" y="0"/>
+          <a:chExt cx="0" cy="0"/>
+        </a:xfrm>
+      </p:grpSpPr>
+      <p:sp>
+        <p:nvSpPr>
+          <p:cNvPr id="2" name="Title 1">
+            <a:extLst>
+              <a:ext uri="{FF2B5EF4-FFF2-40B4-BE49-F238E27FC236}">
+                <a16:creationId xmlns:a16="http://schemas.microsoft.com/office/drawing/2014/main" id="{4A70A23B-ED74-E1A6-9228-C9122FBA3E56}"/>
+              </a:ext>
+            </a:extLst>
+          </p:cNvPr>
+          <p:cNvSpPr>
+            <a:spLocks noGrp="1"/>
+          </p:cNvSpPr>
+          <p:nvPr>
+            <p:ph type="title"/>
+          </p:nvPr>
+        </p:nvSpPr>
+        <p:spPr/>
+        <p:txBody>
+          <a:bodyPr/>
+          <a:lstStyle/>
+          <a:p>
+            <a:r>
+              <a:rPr lang="en-US" dirty="0"/>
+              <a:t>Further Improvement on Performance</a:t>
+            </a:r>
+          </a:p>
+        </p:txBody>
+      </p:sp>
+      <p:sp>
+        <p:nvSpPr>
+          <p:cNvPr id="3" name="Content Placeholder 2">
+            <a:extLst>
+              <a:ext uri="{FF2B5EF4-FFF2-40B4-BE49-F238E27FC236}">
+                <a16:creationId xmlns:a16="http://schemas.microsoft.com/office/drawing/2014/main" id="{26FC1350-691C-7AE5-CC69-E34A24465304}"/>
+              </a:ext>
+            </a:extLst>
+          </p:cNvPr>
+          <p:cNvSpPr>
+            <a:spLocks noGrp="1"/>
+          </p:cNvSpPr>
+          <p:nvPr>
+            <p:ph sz="quarter" idx="10"/>
+          </p:nvPr>
+        </p:nvSpPr>
+        <p:spPr/>
+        <p:txBody>
+          <a:bodyPr/>
+          <a:lstStyle/>
+          <a:p>
+            <a:r>
+              <a:rPr lang="en-US" sz="1600" b="0" dirty="0"/>
+              <a:t>Pretrain </a:t>
+            </a:r>
+            <a:r>
+              <a:rPr lang="en-US" sz="1600" b="0" dirty="0" err="1"/>
+              <a:t>RoBERTa</a:t>
+            </a:r>
+            <a:r>
+              <a:rPr lang="en-US" sz="1600" b="0" dirty="0"/>
+              <a:t> with Cornell Movie-Dialog or </a:t>
+            </a:r>
+            <a:r>
+              <a:rPr lang="en-US" sz="1600" b="0" dirty="0" err="1"/>
+              <a:t>GoEmotions</a:t>
+            </a:r>
+            <a:r>
+              <a:rPr lang="en-US" sz="1600" b="0" dirty="0"/>
+              <a:t> </a:t>
+            </a:r>
+          </a:p>
+          <a:p>
+            <a:pPr marL="342900" indent="-342900">
+              <a:buFontTx/>
+              <a:buChar char="-"/>
+            </a:pPr>
+            <a:r>
+              <a:rPr lang="en-US" sz="1600" b="0" dirty="0"/>
+              <a:t>Cornell Movie-Dialog : </a:t>
+            </a:r>
+            <a:r>
+              <a:rPr lang="en-GB" sz="1600" b="0" dirty="0"/>
+              <a:t>A large-scale dataset of emotions in text, containing over 58,000 examples of text with emotions annotated.</a:t>
+            </a:r>
+          </a:p>
+          <a:p>
+            <a:pPr marL="342900" indent="-342900">
+              <a:buFontTx/>
+              <a:buChar char="-"/>
+            </a:pPr>
+            <a:r>
+              <a:rPr lang="en-GB" sz="1600" b="0" dirty="0" err="1"/>
+              <a:t>GoEmotions</a:t>
+            </a:r>
+            <a:r>
+              <a:rPr lang="en-GB" sz="1600" b="0" dirty="0"/>
+              <a:t> :</a:t>
+            </a:r>
+          </a:p>
+          <a:p>
+            <a:endParaRPr lang="en-GB" sz="1600" b="0" dirty="0"/>
+          </a:p>
+          <a:p>
+            <a:r>
+              <a:rPr lang="en-GB" sz="1600" b="0" dirty="0"/>
+              <a:t>Finetune with </a:t>
+            </a:r>
+            <a:r>
+              <a:rPr lang="en-GB" sz="1600" b="0" dirty="0" err="1"/>
+              <a:t>Optuna</a:t>
+            </a:r>
+            <a:endParaRPr lang="en-GB" sz="1600" b="0" dirty="0"/>
+          </a:p>
+          <a:p>
+            <a:pPr marL="342900" indent="-342900">
+              <a:buFontTx/>
+              <a:buChar char="-"/>
+            </a:pPr>
+            <a:r>
+              <a:rPr lang="en-GB" sz="1600" b="0" dirty="0" err="1"/>
+              <a:t>Optuna</a:t>
+            </a:r>
+            <a:r>
+              <a:rPr lang="en-GB" sz="1600" b="0" dirty="0"/>
+              <a:t> : Set the range of hyperparameters and find the parameters that return the highest f1 score</a:t>
+            </a:r>
+          </a:p>
+          <a:p>
+            <a:endParaRPr lang="en-GB" sz="1600" b="0" dirty="0"/>
+          </a:p>
+          <a:p>
+            <a:r>
+              <a:rPr lang="en-GB" sz="1600" b="0" dirty="0"/>
+              <a:t>Combination of </a:t>
+            </a:r>
+            <a:r>
+              <a:rPr lang="en-GB" sz="1600" b="0" dirty="0" err="1"/>
+              <a:t>DialogXL</a:t>
+            </a:r>
+            <a:r>
+              <a:rPr lang="en-GB" sz="1600" b="0" dirty="0"/>
+              <a:t> and </a:t>
+            </a:r>
+            <a:r>
+              <a:rPr lang="en-GB" sz="1600" b="0" dirty="0" err="1"/>
+              <a:t>RoBERTa</a:t>
+            </a:r>
+            <a:endParaRPr lang="en-GB" sz="1600" b="0" dirty="0"/>
+          </a:p>
+          <a:p>
+            <a:pPr marL="285750" indent="-285750">
+              <a:buFontTx/>
+              <a:buChar char="-"/>
+            </a:pPr>
+            <a:r>
+              <a:rPr lang="en-GB" sz="1600" b="0" dirty="0" err="1"/>
+              <a:t>DialogXL</a:t>
+            </a:r>
+            <a:r>
+              <a:rPr lang="en-GB" sz="1600" b="0" dirty="0"/>
+              <a:t> contains conversational data</a:t>
+            </a:r>
+          </a:p>
+          <a:p>
+            <a:pPr marL="285750" indent="-285750">
+              <a:buFontTx/>
+              <a:buChar char="-"/>
+            </a:pPr>
+            <a:r>
+              <a:rPr lang="en-GB" sz="1600" b="0" dirty="0"/>
+              <a:t>Combine strength of </a:t>
+            </a:r>
+            <a:r>
+              <a:rPr lang="en-GB" sz="1600" b="0" dirty="0" err="1"/>
+              <a:t>RoBERTa’s</a:t>
+            </a:r>
+            <a:r>
+              <a:rPr lang="en-GB" sz="1600" b="0" dirty="0"/>
+              <a:t> classification and </a:t>
+            </a:r>
+            <a:r>
+              <a:rPr lang="en-GB" sz="1600" b="0" dirty="0" err="1"/>
+              <a:t>DialogXL’s</a:t>
+            </a:r>
+            <a:r>
+              <a:rPr lang="en-GB" sz="1600" b="0" dirty="0"/>
+              <a:t> data to improve the emotion detection</a:t>
+            </a:r>
+          </a:p>
+          <a:p>
+            <a:endParaRPr lang="en-GB" sz="1600" b="0" dirty="0"/>
+          </a:p>
+          <a:p>
+            <a:pPr marL="342900" indent="-342900">
+              <a:buFontTx/>
+              <a:buChar char="-"/>
+            </a:pPr>
+            <a:endParaRPr lang="en-US" sz="1600" b="0" dirty="0"/>
+          </a:p>
+        </p:txBody>
+      </p:sp>
+    </p:spTree>
+    <p:extLst>
+      <p:ext uri="{BB962C8B-B14F-4D97-AF65-F5344CB8AC3E}">
+        <p14:creationId xmlns:p14="http://schemas.microsoft.com/office/powerpoint/2010/main" val="2481474461"/>
+      </p:ext>
+    </p:extLst>
+  </p:cSld>
+  <p:clrMapOvr>
+    <a:masterClrMapping/>
+  </p:clrMapOvr>
+</p:sld>
+</file>
+
 <file path=ppt/slides/slide5.xml><?xml version="1.0" encoding="utf-8"?>
+<p:sld xmlns:a="http://schemas.openxmlformats.org/drawingml/2006/main" xmlns:r="http://schemas.openxmlformats.org/officeDocument/2006/relationships" xmlns:p="http://schemas.openxmlformats.org/presentationml/2006/main">
+  <p:cSld>
+    <p:spTree>
+      <p:nvGrpSpPr>
+        <p:cNvPr id="1" name=""/>
+        <p:cNvGrpSpPr/>
+        <p:nvPr/>
+      </p:nvGrpSpPr>
+      <p:grpSpPr>
+        <a:xfrm>
+          <a:off x="0" y="0"/>
+          <a:ext cx="0" cy="0"/>
+          <a:chOff x="0" y="0"/>
+          <a:chExt cx="0" cy="0"/>
+        </a:xfrm>
+      </p:grpSpPr>
+      <p:sp>
+        <p:nvSpPr>
+          <p:cNvPr id="2" name="Title 1">
+            <a:extLst>
+              <a:ext uri="{FF2B5EF4-FFF2-40B4-BE49-F238E27FC236}">
+                <a16:creationId xmlns:a16="http://schemas.microsoft.com/office/drawing/2014/main" id="{67DF05EE-44EC-105E-AFBB-3B2875233B8B}"/>
+              </a:ext>
+            </a:extLst>
+          </p:cNvPr>
+          <p:cNvSpPr>
+            <a:spLocks noGrp="1"/>
+          </p:cNvSpPr>
+          <p:nvPr>
+            <p:ph type="title"/>
+          </p:nvPr>
+        </p:nvSpPr>
+        <p:spPr/>
+        <p:txBody>
+          <a:bodyPr/>
+          <a:lstStyle/>
+          <a:p>
+            <a:endParaRPr lang="en-US"/>
+          </a:p>
+        </p:txBody>
+      </p:sp>
+      <p:pic>
+        <p:nvPicPr>
+          <p:cNvPr id="4" name="Content Placeholder 3">
+            <a:extLst>
+              <a:ext uri="{FF2B5EF4-FFF2-40B4-BE49-F238E27FC236}">
+                <a16:creationId xmlns:a16="http://schemas.microsoft.com/office/drawing/2014/main" id="{0772340C-0FC1-D33D-6F67-05A375270CFB}"/>
+              </a:ext>
+            </a:extLst>
+          </p:cNvPr>
+          <p:cNvPicPr>
+            <a:picLocks noGrp="1" noChangeAspect="1"/>
+          </p:cNvPicPr>
+          <p:nvPr>
+            <p:ph sz="quarter" idx="10"/>
+          </p:nvPr>
+        </p:nvPicPr>
+        <p:blipFill>
+          <a:blip r:embed="rId2"/>
+          <a:stretch>
+            <a:fillRect/>
+          </a:stretch>
+        </p:blipFill>
+        <p:spPr>
+          <a:xfrm>
+            <a:off x="945853" y="1335226"/>
+            <a:ext cx="1274529" cy="4344987"/>
+          </a:xfrm>
+          <a:prstGeom prst="rect">
+            <a:avLst/>
+          </a:prstGeom>
+        </p:spPr>
+      </p:pic>
+      <p:sp>
+        <p:nvSpPr>
+          <p:cNvPr id="6" name="TextBox 5">
+            <a:extLst>
+              <a:ext uri="{FF2B5EF4-FFF2-40B4-BE49-F238E27FC236}">
+                <a16:creationId xmlns:a16="http://schemas.microsoft.com/office/drawing/2014/main" id="{B6F74E2B-9713-1203-64E9-43D4D8A039AE}"/>
+              </a:ext>
+            </a:extLst>
+          </p:cNvPr>
+          <p:cNvSpPr txBox="1"/>
+          <p:nvPr/>
+        </p:nvSpPr>
+        <p:spPr>
+          <a:xfrm>
+            <a:off x="3050087" y="1391573"/>
+            <a:ext cx="8405311" cy="3333220"/>
+          </a:xfrm>
+          <a:prstGeom prst="rect">
+            <a:avLst/>
+          </a:prstGeom>
+          <a:noFill/>
+        </p:spPr>
+        <p:txBody>
+          <a:bodyPr wrap="square">
+            <a:spAutoFit/>
+          </a:bodyPr>
+          <a:lstStyle/>
+          <a:p>
+            <a:pPr algn="l">
+              <a:buFont typeface="+mj-lt"/>
+              <a:buAutoNum type="arabicPeriod"/>
+            </a:pPr>
+            <a:r>
+              <a:rPr lang="en-GB" b="1" i="0" dirty="0">
+                <a:solidFill>
+                  <a:srgbClr val="374151"/>
+                </a:solidFill>
+                <a:effectLst/>
+              </a:rPr>
+              <a:t>Input Text </a:t>
+            </a:r>
+            <a:r>
+              <a:rPr lang="en-GB" b="0" i="0" dirty="0">
+                <a:solidFill>
+                  <a:srgbClr val="374151"/>
+                </a:solidFill>
+                <a:effectLst/>
+              </a:rPr>
+              <a:t>: The input text data that needs to be </a:t>
+            </a:r>
+            <a:r>
+              <a:rPr lang="en-GB" b="0" i="0" dirty="0" err="1">
+                <a:solidFill>
+                  <a:srgbClr val="374151"/>
+                </a:solidFill>
+                <a:effectLst/>
+              </a:rPr>
+              <a:t>analyzed</a:t>
+            </a:r>
+            <a:r>
+              <a:rPr lang="en-GB" b="0" i="0" dirty="0">
+                <a:solidFill>
+                  <a:srgbClr val="374151"/>
+                </a:solidFill>
+                <a:effectLst/>
+              </a:rPr>
+              <a:t> for emotion detection.</a:t>
+            </a:r>
+          </a:p>
+          <a:p>
+            <a:pPr algn="l">
+              <a:buFont typeface="+mj-lt"/>
+              <a:buAutoNum type="arabicPeriod"/>
+            </a:pPr>
+            <a:r>
+              <a:rPr lang="en-GB" b="1" i="0" dirty="0">
+                <a:solidFill>
+                  <a:srgbClr val="374151"/>
+                </a:solidFill>
+                <a:effectLst/>
+              </a:rPr>
+              <a:t>Preprocessing </a:t>
+            </a:r>
+            <a:r>
+              <a:rPr lang="en-GB" b="0" i="0" dirty="0">
+                <a:solidFill>
+                  <a:srgbClr val="374151"/>
+                </a:solidFill>
+                <a:effectLst/>
+              </a:rPr>
+              <a:t>: This step involves tokenizing the input text, removing </a:t>
+            </a:r>
+            <a:r>
+              <a:rPr lang="en-GB" b="0" i="0" dirty="0" err="1">
+                <a:solidFill>
+                  <a:srgbClr val="374151"/>
+                </a:solidFill>
+                <a:effectLst/>
+              </a:rPr>
+              <a:t>stopwords</a:t>
+            </a:r>
+            <a:r>
+              <a:rPr lang="en-GB" b="0" i="0" dirty="0">
+                <a:solidFill>
+                  <a:srgbClr val="374151"/>
+                </a:solidFill>
+                <a:effectLst/>
+              </a:rPr>
+              <a:t>, and performing other necessary preprocessing tasks.</a:t>
+            </a:r>
+          </a:p>
+          <a:p>
+            <a:pPr algn="l">
+              <a:buFont typeface="+mj-lt"/>
+              <a:buAutoNum type="arabicPeriod"/>
+            </a:pPr>
+            <a:r>
+              <a:rPr lang="en-GB" b="1" i="0" dirty="0" err="1">
+                <a:solidFill>
+                  <a:srgbClr val="374151"/>
+                </a:solidFill>
+                <a:effectLst/>
+              </a:rPr>
+              <a:t>DialogXL</a:t>
+            </a:r>
+            <a:r>
+              <a:rPr lang="en-GB" b="1" i="0" dirty="0">
+                <a:solidFill>
+                  <a:srgbClr val="374151"/>
+                </a:solidFill>
+                <a:effectLst/>
+              </a:rPr>
+              <a:t> </a:t>
+            </a:r>
+            <a:r>
+              <a:rPr lang="en-GB" b="0" i="0" dirty="0">
+                <a:solidFill>
+                  <a:srgbClr val="374151"/>
+                </a:solidFill>
+                <a:effectLst/>
+              </a:rPr>
+              <a:t>: This is a contextualized embedding model that generates embeddings for the input text. </a:t>
+            </a:r>
+            <a:r>
+              <a:rPr lang="en-GB" b="0" i="0" dirty="0" err="1">
+                <a:solidFill>
+                  <a:srgbClr val="374151"/>
+                </a:solidFill>
+                <a:effectLst/>
+              </a:rPr>
+              <a:t>DialogXL</a:t>
+            </a:r>
+            <a:r>
+              <a:rPr lang="en-GB" b="0" i="0" dirty="0">
+                <a:solidFill>
+                  <a:srgbClr val="374151"/>
+                </a:solidFill>
+                <a:effectLst/>
+              </a:rPr>
+              <a:t> can capture the nuances of language and provide more accurate representations of the input text.</a:t>
+            </a:r>
+          </a:p>
+          <a:p>
+            <a:pPr algn="l">
+              <a:buFont typeface="+mj-lt"/>
+              <a:buAutoNum type="arabicPeriod"/>
+            </a:pPr>
+            <a:r>
+              <a:rPr lang="en-GB" b="1" i="0" dirty="0" err="1">
+                <a:solidFill>
+                  <a:srgbClr val="374151"/>
+                </a:solidFill>
+                <a:effectLst/>
+              </a:rPr>
+              <a:t>RoBERTa</a:t>
+            </a:r>
+            <a:r>
+              <a:rPr lang="en-GB" b="1" i="0" dirty="0">
+                <a:solidFill>
+                  <a:srgbClr val="374151"/>
+                </a:solidFill>
+                <a:effectLst/>
+              </a:rPr>
+              <a:t> </a:t>
+            </a:r>
+            <a:r>
+              <a:rPr lang="en-GB" b="0" i="0" dirty="0">
+                <a:solidFill>
+                  <a:srgbClr val="374151"/>
+                </a:solidFill>
+                <a:effectLst/>
+              </a:rPr>
+              <a:t>: This is a pre-trained language model that can be fine-tuned for specific tasks, including emotion detection. </a:t>
+            </a:r>
+            <a:r>
+              <a:rPr lang="en-GB" b="0" i="0" dirty="0" err="1">
+                <a:solidFill>
+                  <a:srgbClr val="374151"/>
+                </a:solidFill>
+                <a:effectLst/>
+              </a:rPr>
+              <a:t>RoBERTa</a:t>
+            </a:r>
+            <a:r>
+              <a:rPr lang="en-GB" b="0" i="0" dirty="0">
+                <a:solidFill>
+                  <a:srgbClr val="374151"/>
+                </a:solidFill>
+                <a:effectLst/>
+              </a:rPr>
+              <a:t> can provide additional contextual information and improve the accuracy of the emotion detection model.</a:t>
+            </a:r>
+          </a:p>
+          <a:p>
+            <a:pPr algn="l">
+              <a:buFont typeface="+mj-lt"/>
+              <a:buAutoNum type="arabicPeriod"/>
+            </a:pPr>
+            <a:r>
+              <a:rPr lang="en-GB" b="1" i="0" dirty="0">
+                <a:solidFill>
+                  <a:srgbClr val="374151"/>
+                </a:solidFill>
+                <a:effectLst/>
+              </a:rPr>
+              <a:t>Emotion Detection </a:t>
+            </a:r>
+            <a:r>
+              <a:rPr lang="en-GB" b="0" i="0" dirty="0">
+                <a:solidFill>
+                  <a:srgbClr val="374151"/>
+                </a:solidFill>
+                <a:effectLst/>
+              </a:rPr>
+              <a:t>: This is a classification layer that takes the output from </a:t>
+            </a:r>
+            <a:r>
+              <a:rPr lang="en-GB" b="0" i="0" dirty="0" err="1">
+                <a:solidFill>
+                  <a:srgbClr val="374151"/>
+                </a:solidFill>
+                <a:effectLst/>
+              </a:rPr>
+              <a:t>RoBERTa</a:t>
+            </a:r>
+            <a:r>
+              <a:rPr lang="en-GB" b="0" i="0" dirty="0">
+                <a:solidFill>
+                  <a:srgbClr val="374151"/>
+                </a:solidFill>
+                <a:effectLst/>
+              </a:rPr>
+              <a:t> and predicts the emotion associated with the input text.</a:t>
+            </a:r>
+          </a:p>
+          <a:p>
+            <a:pPr algn="l">
+              <a:buFont typeface="+mj-lt"/>
+              <a:buAutoNum type="arabicPeriod"/>
+            </a:pPr>
+            <a:r>
+              <a:rPr lang="en-GB" b="1" i="0" dirty="0">
+                <a:solidFill>
+                  <a:srgbClr val="374151"/>
+                </a:solidFill>
+                <a:effectLst/>
+              </a:rPr>
+              <a:t>Output Emotion </a:t>
+            </a:r>
+            <a:r>
+              <a:rPr lang="en-GB" b="0" i="0" dirty="0">
+                <a:solidFill>
+                  <a:srgbClr val="374151"/>
+                </a:solidFill>
+                <a:effectLst/>
+              </a:rPr>
+              <a:t>: The final output of the model, which is the predicted emotion associated with the input text.</a:t>
+            </a:r>
+          </a:p>
+        </p:txBody>
+      </p:sp>
+    </p:spTree>
+    <p:extLst>
+      <p:ext uri="{BB962C8B-B14F-4D97-AF65-F5344CB8AC3E}">
+        <p14:creationId xmlns:p14="http://schemas.microsoft.com/office/powerpoint/2010/main" val="3046380349"/>
+      </p:ext>
+    </p:extLst>
+  </p:cSld>
+  <p:clrMapOvr>
+    <a:masterClrMapping/>
+  </p:clrMapOvr>
+</p:sld>
+</file>
+
+<file path=ppt/slides/slide6.xml><?xml version="1.0" encoding="utf-8"?>
+<p:sld xmlns:a="http://schemas.openxmlformats.org/drawingml/2006/main" xmlns:r="http://schemas.openxmlformats.org/officeDocument/2006/relationships" xmlns:p="http://schemas.openxmlformats.org/presentationml/2006/main">
+  <p:cSld>
+    <p:spTree>
+      <p:nvGrpSpPr>
+        <p:cNvPr id="1" name=""/>
+        <p:cNvGrpSpPr/>
+        <p:nvPr/>
+      </p:nvGrpSpPr>
+      <p:grpSpPr>
+        <a:xfrm>
+          <a:off x="0" y="0"/>
+          <a:ext cx="0" cy="0"/>
+          <a:chOff x="0" y="0"/>
+          <a:chExt cx="0" cy="0"/>
+        </a:xfrm>
+      </p:grpSpPr>
+      <p:sp>
+        <p:nvSpPr>
+          <p:cNvPr id="2" name="Title 1">
+            <a:extLst>
+              <a:ext uri="{FF2B5EF4-FFF2-40B4-BE49-F238E27FC236}">
+                <a16:creationId xmlns:a16="http://schemas.microsoft.com/office/drawing/2014/main" id="{DA7A0D63-63D8-608A-E30A-1580C61D575A}"/>
+              </a:ext>
+            </a:extLst>
+          </p:cNvPr>
+          <p:cNvSpPr>
+            <a:spLocks noGrp="1"/>
+          </p:cNvSpPr>
+          <p:nvPr>
+            <p:ph type="title"/>
+          </p:nvPr>
+        </p:nvSpPr>
+        <p:spPr/>
+        <p:txBody>
+          <a:bodyPr/>
+          <a:lstStyle/>
+          <a:p>
+            <a:r>
+              <a:rPr lang="en-US" dirty="0"/>
+              <a:t>Evaluation Metric</a:t>
+            </a:r>
+          </a:p>
+        </p:txBody>
+      </p:sp>
+      <p:sp>
+        <p:nvSpPr>
+          <p:cNvPr id="3" name="Content Placeholder 2">
+            <a:extLst>
+              <a:ext uri="{FF2B5EF4-FFF2-40B4-BE49-F238E27FC236}">
+                <a16:creationId xmlns:a16="http://schemas.microsoft.com/office/drawing/2014/main" id="{0D69D9ED-4DA7-20E4-68E7-689371D7581C}"/>
+              </a:ext>
+            </a:extLst>
+          </p:cNvPr>
+          <p:cNvSpPr>
+            <a:spLocks noGrp="1"/>
+          </p:cNvSpPr>
+          <p:nvPr>
+            <p:ph sz="quarter" idx="10"/>
+          </p:nvPr>
+        </p:nvSpPr>
+        <p:spPr/>
+        <p:txBody>
+          <a:bodyPr/>
+          <a:lstStyle/>
+          <a:p>
+            <a:r>
+              <a:rPr lang="en-US" sz="1400" dirty="0"/>
+              <a:t>F1 Score Standard</a:t>
+            </a:r>
+          </a:p>
+          <a:p>
+            <a:pPr marL="285750" indent="-285750">
+              <a:buFontTx/>
+              <a:buChar char="-"/>
+            </a:pPr>
+            <a:r>
+              <a:rPr lang="en-US" sz="1400" b="0" dirty="0"/>
+              <a:t>what’s used in </a:t>
+            </a:r>
+            <a:r>
+              <a:rPr lang="en-US" sz="1400" b="0" dirty="0" err="1"/>
+              <a:t>SemEval</a:t>
+            </a:r>
+            <a:r>
+              <a:rPr lang="en-US" sz="1400" b="0" dirty="0"/>
+              <a:t> Competition</a:t>
+            </a:r>
+          </a:p>
+          <a:p>
+            <a:r>
+              <a:rPr lang="en-US" sz="1400" dirty="0"/>
+              <a:t>Macro Averaging : </a:t>
+            </a:r>
+          </a:p>
+          <a:p>
+            <a:pPr marL="342900" indent="-342900">
+              <a:buFontTx/>
+              <a:buChar char="-"/>
+            </a:pPr>
+            <a:r>
+              <a:rPr lang="en-US" sz="1400" b="0" dirty="0"/>
+              <a:t>Precision, F1, Recall treating all 5 emotions equally regardless of its frequency </a:t>
+            </a:r>
+          </a:p>
+          <a:p>
+            <a:r>
+              <a:rPr lang="en-US" sz="1400" dirty="0"/>
+              <a:t>Hamming Loss : </a:t>
+            </a:r>
+          </a:p>
+          <a:p>
+            <a:pPr marL="342900" indent="-342900">
+              <a:buFontTx/>
+              <a:buChar char="-"/>
+            </a:pPr>
+            <a:r>
+              <a:rPr lang="en-GB" sz="1400" b="0" dirty="0"/>
+              <a:t>Measuring how often labels are misclassified across the dataset.</a:t>
+            </a:r>
+          </a:p>
+          <a:p>
+            <a:pPr marL="342900" indent="-342900">
+              <a:buFontTx/>
+              <a:buChar char="-"/>
+            </a:pPr>
+            <a:r>
+              <a:rPr lang="en-GB" sz="1400" b="0" dirty="0"/>
+              <a:t>If the model incorrectly predicts "joy" for a text but correctly predicts "anger," Hamming Loss captures the specific misclassification</a:t>
+            </a:r>
+          </a:p>
+          <a:p>
+            <a:r>
+              <a:rPr lang="en-GB" sz="1400" dirty="0"/>
+              <a:t>Subset Accuracy : </a:t>
+            </a:r>
+          </a:p>
+          <a:p>
+            <a:pPr marL="285750" indent="-285750">
+              <a:buFontTx/>
+              <a:buChar char="-"/>
+            </a:pPr>
+            <a:r>
+              <a:rPr lang="en-GB" sz="1400" b="0" dirty="0"/>
+              <a:t>Scenarios where you need the model to predict all emotions for a given text perfectly</a:t>
+            </a:r>
+          </a:p>
+          <a:p>
+            <a:endParaRPr lang="en-GB" sz="1600" b="0" dirty="0"/>
+          </a:p>
+          <a:p>
+            <a:endParaRPr lang="en-GB" sz="1400" dirty="0"/>
+          </a:p>
+        </p:txBody>
+      </p:sp>
+    </p:spTree>
+    <p:extLst>
+      <p:ext uri="{BB962C8B-B14F-4D97-AF65-F5344CB8AC3E}">
+        <p14:creationId xmlns:p14="http://schemas.microsoft.com/office/powerpoint/2010/main" val="1170620728"/>
+      </p:ext>
+    </p:extLst>
+  </p:cSld>
+  <p:clrMapOvr>
+    <a:masterClrMapping/>
+  </p:clrMapOvr>
+</p:sld>
+</file>
+
+<file path=ppt/slides/slide7.xml><?xml version="1.0" encoding="utf-8"?>
+<p:sld xmlns:a="http://schemas.openxmlformats.org/drawingml/2006/main" xmlns:r="http://schemas.openxmlformats.org/officeDocument/2006/relationships" xmlns:p="http://schemas.openxmlformats.org/presentationml/2006/main">
+  <p:cSld>
+    <p:spTree>
+      <p:nvGrpSpPr>
+        <p:cNvPr id="1" name=""/>
+        <p:cNvGrpSpPr/>
+        <p:nvPr/>
+      </p:nvGrpSpPr>
+      <p:grpSpPr>
+        <a:xfrm>
+          <a:off x="0" y="0"/>
+          <a:ext cx="0" cy="0"/>
+          <a:chOff x="0" y="0"/>
+          <a:chExt cx="0" cy="0"/>
+        </a:xfrm>
+      </p:grpSpPr>
+      <p:sp>
+        <p:nvSpPr>
+          <p:cNvPr id="2" name="Title 1">
+            <a:extLst>
+              <a:ext uri="{FF2B5EF4-FFF2-40B4-BE49-F238E27FC236}">
+                <a16:creationId xmlns:a16="http://schemas.microsoft.com/office/drawing/2014/main" id="{049525D7-97E2-C709-B500-249D8A1F0E78}"/>
+              </a:ext>
+            </a:extLst>
+          </p:cNvPr>
+          <p:cNvSpPr>
+            <a:spLocks noGrp="1"/>
+          </p:cNvSpPr>
+          <p:nvPr>
+            <p:ph type="title"/>
+          </p:nvPr>
+        </p:nvSpPr>
+        <p:spPr/>
+        <p:txBody>
+          <a:bodyPr/>
+          <a:lstStyle/>
+          <a:p>
+            <a:r>
+              <a:rPr lang="en-US" dirty="0"/>
+              <a:t>Evaluation Metrics</a:t>
+            </a:r>
+          </a:p>
+        </p:txBody>
+      </p:sp>
+      <p:sp>
+        <p:nvSpPr>
+          <p:cNvPr id="3" name="Content Placeholder 2">
+            <a:extLst>
+              <a:ext uri="{FF2B5EF4-FFF2-40B4-BE49-F238E27FC236}">
+                <a16:creationId xmlns:a16="http://schemas.microsoft.com/office/drawing/2014/main" id="{86F8FC6B-24C1-B72F-BAD1-27AF966926F1}"/>
+              </a:ext>
+            </a:extLst>
+          </p:cNvPr>
+          <p:cNvSpPr>
+            <a:spLocks noGrp="1"/>
+          </p:cNvSpPr>
+          <p:nvPr>
+            <p:ph sz="quarter" idx="10"/>
+          </p:nvPr>
+        </p:nvSpPr>
+        <p:spPr/>
+        <p:txBody>
+          <a:bodyPr/>
+          <a:lstStyle/>
+          <a:p>
+            <a:r>
+              <a:rPr lang="en-US" dirty="0"/>
+              <a:t>Besides F1 Score, Possible evaluation metrics </a:t>
+            </a:r>
+          </a:p>
+          <a:p>
+            <a:pPr marL="457200" indent="-457200" algn="l">
+              <a:buFont typeface="+mj-lt"/>
+              <a:buAutoNum type="arabicPeriod"/>
+            </a:pPr>
+            <a:r>
+              <a:rPr lang="en-GB" b="0" i="0" dirty="0">
+                <a:solidFill>
+                  <a:schemeClr val="tx1"/>
+                </a:solidFill>
+                <a:effectLst/>
+              </a:rPr>
+              <a:t>Area Under the Receiver Operating Characteristic Curve (AUROC) : This metric plots the true positive rate against the false positive rate at different thresholds, providing a comprehensive view of your model's performance.</a:t>
+            </a:r>
+          </a:p>
+          <a:p>
+            <a:pPr marL="457200" indent="-457200" algn="l">
+              <a:buFont typeface="+mj-lt"/>
+              <a:buAutoNum type="arabicPeriod"/>
+            </a:pPr>
+            <a:r>
+              <a:rPr lang="en-GB" b="0" i="0" dirty="0">
+                <a:solidFill>
+                  <a:schemeClr val="tx1"/>
+                </a:solidFill>
+                <a:effectLst/>
+              </a:rPr>
+              <a:t>Area Under the Precision-Recall Curve (AUPRC) : Similar to AUROC, this metric plots precision against recall at different thresholds, providing insight into your model's ability to detect emotions.</a:t>
+            </a:r>
+          </a:p>
+          <a:p>
+            <a:pPr marL="457200" indent="-457200" algn="l">
+              <a:buFont typeface="+mj-lt"/>
+              <a:buAutoNum type="arabicPeriod"/>
+            </a:pPr>
+            <a:r>
+              <a:rPr lang="en-GB" b="0" dirty="0">
+                <a:solidFill>
+                  <a:schemeClr val="tx1"/>
+                </a:solidFill>
+              </a:rPr>
+              <a:t>Use GPT4 or </a:t>
+            </a:r>
+            <a:r>
+              <a:rPr lang="en-GB" b="0" dirty="0" err="1">
+                <a:solidFill>
+                  <a:schemeClr val="tx1"/>
+                </a:solidFill>
+              </a:rPr>
+              <a:t>Llamma</a:t>
+            </a:r>
+            <a:r>
+              <a:rPr lang="en-GB" b="0" dirty="0">
+                <a:solidFill>
+                  <a:schemeClr val="tx1"/>
+                </a:solidFill>
+              </a:rPr>
+              <a:t> to perform evaluation and compare </a:t>
+            </a:r>
+            <a:r>
+              <a:rPr lang="en-GB" b="0">
+                <a:solidFill>
+                  <a:schemeClr val="tx1"/>
+                </a:solidFill>
+              </a:rPr>
+              <a:t>F1 score</a:t>
+            </a:r>
+            <a:endParaRPr lang="en-GB" b="0" i="0" dirty="0">
+              <a:solidFill>
+                <a:schemeClr val="tx1"/>
+              </a:solidFill>
+              <a:effectLst/>
+            </a:endParaRPr>
+          </a:p>
+          <a:p>
+            <a:endParaRPr lang="en-US" dirty="0"/>
+          </a:p>
+        </p:txBody>
+      </p:sp>
+    </p:spTree>
+    <p:extLst>
+      <p:ext uri="{BB962C8B-B14F-4D97-AF65-F5344CB8AC3E}">
+        <p14:creationId xmlns:p14="http://schemas.microsoft.com/office/powerpoint/2010/main" val="681739013"/>
+      </p:ext>
+    </p:extLst>
+  </p:cSld>
+  <p:clrMapOvr>
+    <a:masterClrMapping/>
+  </p:clrMapOvr>
+</p:sld>
+</file>
+
+<file path=ppt/slides/slide8.xml><?xml version="1.0" encoding="utf-8"?>
 <p:sld xmlns:a="http://schemas.openxmlformats.org/drawingml/2006/main" xmlns:r="http://schemas.openxmlformats.org/officeDocument/2006/relationships" xmlns:p="http://schemas.openxmlformats.org/presentationml/2006/main">
   <p:cSld>
     <p:spTree>

--- a/LLMProject_SemEval.pptx
+++ b/LLMProject_SemEval.pptx
@@ -5,30 +5,32 @@
     <p:sldMasterId id="2147483891" r:id="rId1"/>
   </p:sldMasterIdLst>
   <p:notesMasterIdLst>
-    <p:notesMasterId r:id="rId10"/>
+    <p:notesMasterId r:id="rId12"/>
   </p:notesMasterIdLst>
   <p:handoutMasterIdLst>
-    <p:handoutMasterId r:id="rId11"/>
+    <p:handoutMasterId r:id="rId13"/>
   </p:handoutMasterIdLst>
   <p:sldIdLst>
     <p:sldId id="296" r:id="rId2"/>
     <p:sldId id="297" r:id="rId3"/>
     <p:sldId id="300" r:id="rId4"/>
     <p:sldId id="302" r:id="rId5"/>
-    <p:sldId id="303" r:id="rId6"/>
-    <p:sldId id="298" r:id="rId7"/>
-    <p:sldId id="301" r:id="rId8"/>
-    <p:sldId id="299" r:id="rId9"/>
+    <p:sldId id="304" r:id="rId6"/>
+    <p:sldId id="305" r:id="rId7"/>
+    <p:sldId id="303" r:id="rId8"/>
+    <p:sldId id="298" r:id="rId9"/>
+    <p:sldId id="301" r:id="rId10"/>
+    <p:sldId id="299" r:id="rId11"/>
   </p:sldIdLst>
   <p:sldSz cx="12192000" cy="6858000"/>
   <p:notesSz cx="6858000" cy="9144000"/>
   <p:embeddedFontLst>
     <p:embeddedFont>
       <p:font typeface="Open Sans" panose="020B0606030504020204" pitchFamily="34" charset="0"/>
-      <p:regular r:id="rId12"/>
-      <p:bold r:id="rId13"/>
-      <p:italic r:id="rId14"/>
-      <p:boldItalic r:id="rId15"/>
+      <p:regular r:id="rId14"/>
+      <p:bold r:id="rId15"/>
+      <p:italic r:id="rId16"/>
+      <p:boldItalic r:id="rId17"/>
     </p:embeddedFont>
   </p:embeddedFontLst>
   <p:defaultTextStyle>
@@ -231,7 +233,7 @@
           <a:p>
             <a:fld id="{C6AC6211-610F-44E5-BF19-D3CDF6EDD281}" type="datetimeFigureOut">
               <a:rPr lang="de-DE" smtClean="0"/>
-              <a:t>24.01.25</a:t>
+              <a:t>26.01.25</a:t>
             </a:fld>
             <a:endParaRPr lang="de-DE"/>
           </a:p>
@@ -397,7 +399,7 @@
           <a:p>
             <a:fld id="{347435D3-23A6-45D3-8DFA-7317DC1E7A64}" type="datetimeFigureOut">
               <a:rPr lang="de-DE" smtClean="0"/>
-              <a:t>24.01.25</a:t>
+              <a:t>26.01.25</a:t>
             </a:fld>
             <a:endParaRPr lang="de-DE"/>
           </a:p>
@@ -5856,6 +5858,194 @@
 </p:sld>
 </file>
 
+<file path=ppt/slides/slide10.xml><?xml version="1.0" encoding="utf-8"?>
+<p:sld xmlns:a="http://schemas.openxmlformats.org/drawingml/2006/main" xmlns:r="http://schemas.openxmlformats.org/officeDocument/2006/relationships" xmlns:p="http://schemas.openxmlformats.org/presentationml/2006/main">
+  <p:cSld>
+    <p:spTree>
+      <p:nvGrpSpPr>
+        <p:cNvPr id="1" name=""/>
+        <p:cNvGrpSpPr/>
+        <p:nvPr/>
+      </p:nvGrpSpPr>
+      <p:grpSpPr>
+        <a:xfrm>
+          <a:off x="0" y="0"/>
+          <a:ext cx="0" cy="0"/>
+          <a:chOff x="0" y="0"/>
+          <a:chExt cx="0" cy="0"/>
+        </a:xfrm>
+      </p:grpSpPr>
+      <p:sp>
+        <p:nvSpPr>
+          <p:cNvPr id="2" name="Title 1">
+            <a:extLst>
+              <a:ext uri="{FF2B5EF4-FFF2-40B4-BE49-F238E27FC236}">
+                <a16:creationId xmlns:a16="http://schemas.microsoft.com/office/drawing/2014/main" id="{5C44F611-2495-BE87-37C6-16CA3B0313B0}"/>
+              </a:ext>
+            </a:extLst>
+          </p:cNvPr>
+          <p:cNvSpPr>
+            <a:spLocks noGrp="1"/>
+          </p:cNvSpPr>
+          <p:nvPr>
+            <p:ph type="title"/>
+          </p:nvPr>
+        </p:nvSpPr>
+        <p:spPr/>
+        <p:txBody>
+          <a:bodyPr/>
+          <a:lstStyle/>
+          <a:p>
+            <a:r>
+              <a:rPr lang="en-US" dirty="0"/>
+              <a:t>SHAP</a:t>
+            </a:r>
+          </a:p>
+        </p:txBody>
+      </p:sp>
+      <p:sp>
+        <p:nvSpPr>
+          <p:cNvPr id="3" name="Content Placeholder 2">
+            <a:extLst>
+              <a:ext uri="{FF2B5EF4-FFF2-40B4-BE49-F238E27FC236}">
+                <a16:creationId xmlns:a16="http://schemas.microsoft.com/office/drawing/2014/main" id="{5C057183-5FC9-514A-7085-E85728AFCDC0}"/>
+              </a:ext>
+            </a:extLst>
+          </p:cNvPr>
+          <p:cNvSpPr>
+            <a:spLocks noGrp="1"/>
+          </p:cNvSpPr>
+          <p:nvPr>
+            <p:ph sz="quarter" idx="10"/>
+          </p:nvPr>
+        </p:nvSpPr>
+        <p:spPr/>
+        <p:txBody>
+          <a:bodyPr numCol="2"/>
+          <a:lstStyle/>
+          <a:p>
+            <a:r>
+              <a:rPr lang="en-US" sz="800" b="0" dirty="0"/>
+              <a:t>Text: Pretty much everyone objected to my wedding.                                                                                                                               </a:t>
+            </a:r>
+          </a:p>
+          <a:p>
+            <a:r>
+              <a:rPr lang="en-US" sz="800" b="0" dirty="0"/>
+              <a:t>  LABEL_0: 0.2411</a:t>
+            </a:r>
+          </a:p>
+          <a:p>
+            <a:r>
+              <a:rPr lang="en-US" sz="800" b="0" dirty="0"/>
+              <a:t>  LABEL_1: 0.4667</a:t>
+            </a:r>
+          </a:p>
+          <a:p>
+            <a:r>
+              <a:rPr lang="en-US" sz="800" b="0" dirty="0"/>
+              <a:t>  LABEL_2: 0.3089</a:t>
+            </a:r>
+          </a:p>
+          <a:p>
+            <a:r>
+              <a:rPr lang="en-US" sz="800" b="0" dirty="0"/>
+              <a:t>  LABEL_3: 0.3636</a:t>
+            </a:r>
+          </a:p>
+          <a:p>
+            <a:r>
+              <a:rPr lang="en-US" sz="800" b="0" dirty="0"/>
+              <a:t>  LABEL_4: 0.4072</a:t>
+            </a:r>
+          </a:p>
+          <a:p>
+            <a:r>
+              <a:rPr lang="en-US" sz="800" b="0" dirty="0"/>
+              <a:t>Text: Additionally, there was snow on the ground outside, but we found no footprints around the house and no mud or water in the kitchen where the intruder had been walking.</a:t>
+            </a:r>
+          </a:p>
+          <a:p>
+            <a:r>
+              <a:rPr lang="en-US" sz="800" b="0" dirty="0"/>
+              <a:t>  LABEL_0: 0.2411</a:t>
+            </a:r>
+          </a:p>
+          <a:p>
+            <a:r>
+              <a:rPr lang="en-US" sz="800" b="0" dirty="0"/>
+              <a:t>  LABEL_1: 0.4667</a:t>
+            </a:r>
+          </a:p>
+          <a:p>
+            <a:r>
+              <a:rPr lang="en-US" sz="800" b="0" dirty="0"/>
+              <a:t>  LABEL_2: 0.3089</a:t>
+            </a:r>
+          </a:p>
+          <a:p>
+            <a:r>
+              <a:rPr lang="en-US" sz="800" b="0" dirty="0"/>
+              <a:t>  LABEL_3: 0.3636</a:t>
+            </a:r>
+          </a:p>
+          <a:p>
+            <a:r>
+              <a:rPr lang="en-US" sz="800" b="0" dirty="0"/>
+              <a:t>  LABEL_4: 0.4072</a:t>
+            </a:r>
+          </a:p>
+          <a:p>
+            <a:r>
+              <a:rPr lang="en-US" sz="800" b="0" dirty="0"/>
+              <a:t>Text: A former boxing coach for the Soviet Union.</a:t>
+            </a:r>
+          </a:p>
+          <a:p>
+            <a:r>
+              <a:rPr lang="en-US" sz="800" b="0" dirty="0"/>
+              <a:t>  LABEL_0: 0.2411</a:t>
+            </a:r>
+          </a:p>
+          <a:p>
+            <a:r>
+              <a:rPr lang="en-US" sz="800" b="0" dirty="0"/>
+              <a:t>  LABEL_1: 0.4667</a:t>
+            </a:r>
+          </a:p>
+          <a:p>
+            <a:r>
+              <a:rPr lang="en-US" sz="800" b="0" dirty="0"/>
+              <a:t>  LABEL_2: 0.3089</a:t>
+            </a:r>
+          </a:p>
+          <a:p>
+            <a:r>
+              <a:rPr lang="en-US" sz="800" b="0" dirty="0"/>
+              <a:t>  LABEL_3: 0.3636</a:t>
+            </a:r>
+          </a:p>
+          <a:p>
+            <a:r>
+              <a:rPr lang="en-US" sz="800" b="0" dirty="0"/>
+              <a:t>  LABEL_4: 0.4072</a:t>
+            </a:r>
+          </a:p>
+        </p:txBody>
+      </p:sp>
+    </p:spTree>
+    <p:extLst>
+      <p:ext uri="{BB962C8B-B14F-4D97-AF65-F5344CB8AC3E}">
+        <p14:creationId xmlns:p14="http://schemas.microsoft.com/office/powerpoint/2010/main" val="3901789197"/>
+      </p:ext>
+    </p:extLst>
+  </p:cSld>
+  <p:clrMapOvr>
+    <a:masterClrMapping/>
+  </p:clrMapOvr>
+</p:sld>
+</file>
+
 <file path=ppt/slides/slide2.xml><?xml version="1.0" encoding="utf-8"?>
 <p:sld xmlns:a="http://schemas.openxmlformats.org/drawingml/2006/main" xmlns:r="http://schemas.openxmlformats.org/officeDocument/2006/relationships" xmlns:p="http://schemas.openxmlformats.org/presentationml/2006/main">
   <p:cSld>
@@ -6219,23 +6409,23 @@
           <a:lstStyle/>
           <a:p>
             <a:r>
-              <a:rPr lang="en-US" sz="1600" b="0" dirty="0"/>
+              <a:rPr lang="en-US" sz="1600" dirty="0"/>
               <a:t>Pretrain </a:t>
             </a:r>
             <a:r>
-              <a:rPr lang="en-US" sz="1600" b="0" dirty="0" err="1"/>
+              <a:rPr lang="en-US" sz="1600" dirty="0" err="1"/>
               <a:t>RoBERTa</a:t>
             </a:r>
             <a:r>
-              <a:rPr lang="en-US" sz="1600" b="0" dirty="0"/>
+              <a:rPr lang="en-US" sz="1600" dirty="0"/>
               <a:t> with Cornell Movie-Dialog or </a:t>
             </a:r>
             <a:r>
-              <a:rPr lang="en-US" sz="1600" b="0" dirty="0" err="1"/>
+              <a:rPr lang="en-US" sz="1600" dirty="0" err="1"/>
               <a:t>GoEmotions</a:t>
             </a:r>
             <a:r>
-              <a:rPr lang="en-US" sz="1600" b="0" dirty="0"/>
+              <a:rPr lang="en-US" sz="1600" dirty="0"/>
               <a:t> </a:t>
             </a:r>
           </a:p>
@@ -6268,18 +6458,15 @@
             </a:r>
           </a:p>
           <a:p>
-            <a:endParaRPr lang="en-GB" sz="1600" b="0" dirty="0"/>
-          </a:p>
-          <a:p>
-            <a:r>
-              <a:rPr lang="en-GB" sz="1600" b="0" dirty="0"/>
+            <a:r>
+              <a:rPr lang="en-GB" sz="1600" dirty="0"/>
               <a:t>Finetune with </a:t>
             </a:r>
             <a:r>
-              <a:rPr lang="en-GB" sz="1600" b="0" dirty="0" err="1"/>
+              <a:rPr lang="en-GB" sz="1600" dirty="0" err="1"/>
               <a:t>Optuna</a:t>
             </a:r>
-            <a:endParaRPr lang="en-GB" sz="1600" b="0" dirty="0"/>
+            <a:endParaRPr lang="en-GB" sz="1600" dirty="0"/>
           </a:p>
           <a:p>
             <a:pPr marL="342900" indent="-342900">
@@ -6296,26 +6483,29 @@
             </a:r>
           </a:p>
           <a:p>
-            <a:endParaRPr lang="en-GB" sz="1600" b="0" dirty="0"/>
-          </a:p>
-          <a:p>
             <a:r>
               <a:rPr lang="en-GB" sz="1600" b="0" dirty="0"/>
+              <a:t>-</a:t>
+            </a:r>
+          </a:p>
+          <a:p>
+            <a:r>
+              <a:rPr lang="en-GB" sz="1600" dirty="0"/>
               <a:t>Combination of </a:t>
             </a:r>
             <a:r>
-              <a:rPr lang="en-GB" sz="1600" b="0" dirty="0" err="1"/>
+              <a:rPr lang="en-GB" sz="1600" dirty="0" err="1"/>
               <a:t>DialogXL</a:t>
             </a:r>
             <a:r>
-              <a:rPr lang="en-GB" sz="1600" b="0" dirty="0"/>
+              <a:rPr lang="en-GB" sz="1600" dirty="0"/>
               <a:t> and </a:t>
             </a:r>
             <a:r>
-              <a:rPr lang="en-GB" sz="1600" b="0" dirty="0" err="1"/>
+              <a:rPr lang="en-GB" sz="1600" dirty="0" err="1"/>
               <a:t>RoBERTa</a:t>
             </a:r>
-            <a:endParaRPr lang="en-GB" sz="1600" b="0" dirty="0"/>
+            <a:endParaRPr lang="en-GB" sz="1600" dirty="0"/>
           </a:p>
           <a:p>
             <a:pPr marL="285750" indent="-285750">
@@ -6404,6 +6594,439 @@
           <p:cNvPr id="2" name="Title 1">
             <a:extLst>
               <a:ext uri="{FF2B5EF4-FFF2-40B4-BE49-F238E27FC236}">
+                <a16:creationId xmlns:a16="http://schemas.microsoft.com/office/drawing/2014/main" id="{B1DEE464-0C1C-4903-950C-739C3E97E463}"/>
+              </a:ext>
+            </a:extLst>
+          </p:cNvPr>
+          <p:cNvSpPr>
+            <a:spLocks noGrp="1"/>
+          </p:cNvSpPr>
+          <p:nvPr>
+            <p:ph type="title"/>
+          </p:nvPr>
+        </p:nvSpPr>
+        <p:spPr/>
+        <p:txBody>
+          <a:bodyPr/>
+          <a:lstStyle/>
+          <a:p>
+            <a:r>
+              <a:rPr lang="en-US" dirty="0" err="1"/>
+              <a:t>RoBERTa</a:t>
+            </a:r>
+            <a:r>
+              <a:rPr lang="en-US" dirty="0"/>
+              <a:t> + </a:t>
+            </a:r>
+            <a:r>
+              <a:rPr lang="en-US" dirty="0" err="1"/>
+              <a:t>Optuna</a:t>
+            </a:r>
+            <a:endParaRPr lang="en-US" dirty="0"/>
+          </a:p>
+        </p:txBody>
+      </p:sp>
+      <p:sp>
+        <p:nvSpPr>
+          <p:cNvPr id="3" name="Content Placeholder 2">
+            <a:extLst>
+              <a:ext uri="{FF2B5EF4-FFF2-40B4-BE49-F238E27FC236}">
+                <a16:creationId xmlns:a16="http://schemas.microsoft.com/office/drawing/2014/main" id="{0EAAED3A-2CE3-9379-443E-A427F55DE114}"/>
+              </a:ext>
+            </a:extLst>
+          </p:cNvPr>
+          <p:cNvSpPr>
+            <a:spLocks noGrp="1"/>
+          </p:cNvSpPr>
+          <p:nvPr>
+            <p:ph sz="quarter" idx="10"/>
+          </p:nvPr>
+        </p:nvSpPr>
+        <p:spPr/>
+        <p:txBody>
+          <a:bodyPr/>
+          <a:lstStyle/>
+          <a:p>
+            <a:pPr marL="342900" indent="-342900">
+              <a:buFontTx/>
+              <a:buChar char="-"/>
+            </a:pPr>
+            <a:r>
+              <a:rPr lang="en-GB" sz="2000" b="0" dirty="0"/>
+              <a:t>{'</a:t>
+            </a:r>
+            <a:r>
+              <a:rPr lang="en-GB" sz="2000" b="0" dirty="0" err="1"/>
+              <a:t>eval_loss</a:t>
+            </a:r>
+            <a:r>
+              <a:rPr lang="en-GB" sz="2000" b="0" dirty="0"/>
+              <a:t>': 0.8629946112632751, '</a:t>
+            </a:r>
+            <a:r>
+              <a:rPr lang="en-GB" sz="2000" b="0" dirty="0" err="1"/>
+              <a:t>eval_accuracy</a:t>
+            </a:r>
+            <a:r>
+              <a:rPr lang="en-GB" sz="2000" b="0" dirty="0"/>
+              <a:t>': 0.8371841155234657, 'eval_f1': 0.8150111820748002, '</a:t>
+            </a:r>
+            <a:r>
+              <a:rPr lang="en-GB" sz="2000" b="0" dirty="0" err="1"/>
+              <a:t>eval_precision</a:t>
+            </a:r>
+            <a:r>
+              <a:rPr lang="en-GB" sz="2000" b="0" dirty="0"/>
+              <a:t>': 0.807912934150558, '</a:t>
+            </a:r>
+            <a:r>
+              <a:rPr lang="en-GB" sz="2000" b="0" dirty="0" err="1"/>
+              <a:t>eval_recall</a:t>
+            </a:r>
+            <a:r>
+              <a:rPr lang="en-GB" sz="2000" b="0" dirty="0"/>
+              <a:t>': 0.824642152016175, '</a:t>
+            </a:r>
+            <a:r>
+              <a:rPr lang="en-GB" sz="2000" b="0" dirty="0" err="1"/>
+              <a:t>eval_runtime</a:t>
+            </a:r>
+            <a:r>
+              <a:rPr lang="en-GB" sz="2000" b="0" dirty="0"/>
+              <a:t>': 1.5379, '</a:t>
+            </a:r>
+            <a:r>
+              <a:rPr lang="en-GB" sz="2000" b="0" dirty="0" err="1"/>
+              <a:t>eval_samples_per_second</a:t>
+            </a:r>
+            <a:r>
+              <a:rPr lang="en-GB" sz="2000" b="0" dirty="0"/>
+              <a:t>': 360.226, '</a:t>
+            </a:r>
+            <a:r>
+              <a:rPr lang="en-GB" sz="2000" b="0" dirty="0" err="1"/>
+              <a:t>eval_steps_per_second</a:t>
+            </a:r>
+            <a:r>
+              <a:rPr lang="en-GB" sz="2000" b="0" dirty="0"/>
+              <a:t>': 3.251, 'epoch': 84.0}</a:t>
+            </a:r>
+          </a:p>
+        </p:txBody>
+      </p:sp>
+      <p:pic>
+        <p:nvPicPr>
+          <p:cNvPr id="4" name="Picture 3">
+            <a:extLst>
+              <a:ext uri="{FF2B5EF4-FFF2-40B4-BE49-F238E27FC236}">
+                <a16:creationId xmlns:a16="http://schemas.microsoft.com/office/drawing/2014/main" id="{FC281A78-D820-D236-07EC-B3CAE0509CF7}"/>
+              </a:ext>
+            </a:extLst>
+          </p:cNvPr>
+          <p:cNvPicPr>
+            <a:picLocks noChangeAspect="1"/>
+          </p:cNvPicPr>
+          <p:nvPr/>
+        </p:nvPicPr>
+        <p:blipFill>
+          <a:blip r:embed="rId2"/>
+          <a:stretch>
+            <a:fillRect/>
+          </a:stretch>
+        </p:blipFill>
+        <p:spPr>
+          <a:xfrm>
+            <a:off x="1208821" y="3301273"/>
+            <a:ext cx="5029140" cy="1345826"/>
+          </a:xfrm>
+          <a:prstGeom prst="rect">
+            <a:avLst/>
+          </a:prstGeom>
+        </p:spPr>
+      </p:pic>
+      <p:pic>
+        <p:nvPicPr>
+          <p:cNvPr id="5" name="Picture 4">
+            <a:extLst>
+              <a:ext uri="{FF2B5EF4-FFF2-40B4-BE49-F238E27FC236}">
+                <a16:creationId xmlns:a16="http://schemas.microsoft.com/office/drawing/2014/main" id="{67D5E722-3D4F-A91D-452C-6FB25F9D0B88}"/>
+              </a:ext>
+            </a:extLst>
+          </p:cNvPr>
+          <p:cNvPicPr>
+            <a:picLocks noChangeAspect="1"/>
+          </p:cNvPicPr>
+          <p:nvPr/>
+        </p:nvPicPr>
+        <p:blipFill>
+          <a:blip r:embed="rId3"/>
+          <a:stretch>
+            <a:fillRect/>
+          </a:stretch>
+        </p:blipFill>
+        <p:spPr>
+          <a:xfrm>
+            <a:off x="6376530" y="3429000"/>
+            <a:ext cx="4940300" cy="939800"/>
+          </a:xfrm>
+          <a:prstGeom prst="rect">
+            <a:avLst/>
+          </a:prstGeom>
+        </p:spPr>
+      </p:pic>
+    </p:spTree>
+    <p:extLst>
+      <p:ext uri="{BB962C8B-B14F-4D97-AF65-F5344CB8AC3E}">
+        <p14:creationId xmlns:p14="http://schemas.microsoft.com/office/powerpoint/2010/main" val="988696300"/>
+      </p:ext>
+    </p:extLst>
+  </p:cSld>
+  <p:clrMapOvr>
+    <a:masterClrMapping/>
+  </p:clrMapOvr>
+</p:sld>
+</file>
+
+<file path=ppt/slides/slide6.xml><?xml version="1.0" encoding="utf-8"?>
+<p:sld xmlns:a="http://schemas.openxmlformats.org/drawingml/2006/main" xmlns:r="http://schemas.openxmlformats.org/officeDocument/2006/relationships" xmlns:p="http://schemas.openxmlformats.org/presentationml/2006/main">
+  <p:cSld>
+    <p:spTree>
+      <p:nvGrpSpPr>
+        <p:cNvPr id="1" name=""/>
+        <p:cNvGrpSpPr/>
+        <p:nvPr/>
+      </p:nvGrpSpPr>
+      <p:grpSpPr>
+        <a:xfrm>
+          <a:off x="0" y="0"/>
+          <a:ext cx="0" cy="0"/>
+          <a:chOff x="0" y="0"/>
+          <a:chExt cx="0" cy="0"/>
+        </a:xfrm>
+      </p:grpSpPr>
+      <p:sp>
+        <p:nvSpPr>
+          <p:cNvPr id="2" name="Title 1">
+            <a:extLst>
+              <a:ext uri="{FF2B5EF4-FFF2-40B4-BE49-F238E27FC236}">
+                <a16:creationId xmlns:a16="http://schemas.microsoft.com/office/drawing/2014/main" id="{8FF77DC2-1779-945C-F77C-756AA6FA8022}"/>
+              </a:ext>
+            </a:extLst>
+          </p:cNvPr>
+          <p:cNvSpPr>
+            <a:spLocks noGrp="1"/>
+          </p:cNvSpPr>
+          <p:nvPr>
+            <p:ph type="title"/>
+          </p:nvPr>
+        </p:nvSpPr>
+        <p:spPr/>
+        <p:txBody>
+          <a:bodyPr/>
+          <a:lstStyle/>
+          <a:p>
+            <a:r>
+              <a:rPr lang="en-US" dirty="0" err="1"/>
+              <a:t>RoBERTa</a:t>
+            </a:r>
+            <a:r>
+              <a:rPr lang="en-US" dirty="0"/>
+              <a:t> + </a:t>
+            </a:r>
+            <a:r>
+              <a:rPr lang="en-US" dirty="0" err="1"/>
+              <a:t>Optuna</a:t>
+            </a:r>
+            <a:endParaRPr lang="en-US" dirty="0"/>
+          </a:p>
+        </p:txBody>
+      </p:sp>
+      <p:sp>
+        <p:nvSpPr>
+          <p:cNvPr id="4" name="Picture Placeholder 3">
+            <a:extLst>
+              <a:ext uri="{FF2B5EF4-FFF2-40B4-BE49-F238E27FC236}">
+                <a16:creationId xmlns:a16="http://schemas.microsoft.com/office/drawing/2014/main" id="{D2A870AA-3F31-0666-34A3-85B5436B268A}"/>
+              </a:ext>
+            </a:extLst>
+          </p:cNvPr>
+          <p:cNvSpPr>
+            <a:spLocks noGrp="1"/>
+          </p:cNvSpPr>
+          <p:nvPr>
+            <p:ph type="pic" sz="quarter" idx="13"/>
+          </p:nvPr>
+        </p:nvSpPr>
+        <p:spPr/>
+        <p:txBody>
+          <a:bodyPr/>
+          <a:lstStyle/>
+          <a:p>
+            <a:r>
+              <a:rPr lang="en-US" dirty="0" err="1"/>
+              <a:t>Lyoungah</a:t>
+            </a:r>
+            <a:endParaRPr lang="en-US" dirty="0"/>
+          </a:p>
+          <a:p>
+            <a:endParaRPr lang="en-US" dirty="0"/>
+          </a:p>
+          <a:p>
+            <a:r>
+              <a:rPr lang="en-US" dirty="0" err="1"/>
+              <a:t>Optuna</a:t>
+            </a:r>
+            <a:r>
+              <a:rPr lang="en-US" dirty="0"/>
+              <a:t> Trial : 20</a:t>
+            </a:r>
+          </a:p>
+          <a:p>
+            <a:pPr marL="342900" indent="-342900">
+              <a:buFontTx/>
+              <a:buChar char="-"/>
+            </a:pPr>
+            <a:r>
+              <a:rPr lang="en-US" dirty="0"/>
+              <a:t>Epoch : 102</a:t>
+            </a:r>
+          </a:p>
+          <a:p>
+            <a:pPr marL="342900" indent="-342900">
+              <a:buFontTx/>
+              <a:buChar char="-"/>
+            </a:pPr>
+            <a:r>
+              <a:rPr lang="en-US" dirty="0"/>
+              <a:t>Eval F1 : 0.8173</a:t>
+            </a:r>
+          </a:p>
+          <a:p>
+            <a:pPr marL="342900" indent="-342900">
+              <a:buFontTx/>
+              <a:buChar char="-"/>
+            </a:pPr>
+            <a:r>
+              <a:rPr lang="en-US"/>
+              <a:t>Eval Acc : 0.8390</a:t>
+            </a:r>
+            <a:endParaRPr lang="en-US" dirty="0"/>
+          </a:p>
+        </p:txBody>
+      </p:sp>
+      <p:sp>
+        <p:nvSpPr>
+          <p:cNvPr id="5" name="Content Placeholder 4">
+            <a:extLst>
+              <a:ext uri="{FF2B5EF4-FFF2-40B4-BE49-F238E27FC236}">
+                <a16:creationId xmlns:a16="http://schemas.microsoft.com/office/drawing/2014/main" id="{ABFF34C8-5A00-A189-E420-E9EBC53BACFD}"/>
+              </a:ext>
+            </a:extLst>
+          </p:cNvPr>
+          <p:cNvSpPr>
+            <a:spLocks noGrp="1"/>
+          </p:cNvSpPr>
+          <p:nvPr>
+            <p:ph sz="quarter" idx="14"/>
+          </p:nvPr>
+        </p:nvSpPr>
+        <p:spPr/>
+        <p:txBody>
+          <a:bodyPr/>
+          <a:lstStyle/>
+          <a:p>
+            <a:r>
+              <a:rPr lang="en-US" dirty="0"/>
+              <a:t>Kyuri </a:t>
+            </a:r>
+          </a:p>
+          <a:p>
+            <a:endParaRPr lang="en-US" dirty="0"/>
+          </a:p>
+          <a:p>
+            <a:r>
+              <a:rPr lang="en-US" dirty="0" err="1"/>
+              <a:t>Optuna</a:t>
+            </a:r>
+            <a:r>
+              <a:rPr lang="en-US" dirty="0"/>
+              <a:t> Trial : 30</a:t>
+            </a:r>
+          </a:p>
+          <a:p>
+            <a:pPr marL="342900" indent="-342900">
+              <a:buFontTx/>
+              <a:buChar char="-"/>
+            </a:pPr>
+            <a:r>
+              <a:rPr lang="en-US" dirty="0"/>
+              <a:t>Epoch : 84</a:t>
+            </a:r>
+          </a:p>
+          <a:p>
+            <a:pPr marL="342900" indent="-342900">
+              <a:buFontTx/>
+              <a:buChar char="-"/>
+            </a:pPr>
+            <a:r>
+              <a:rPr lang="en-US" dirty="0"/>
+              <a:t>Eval F1 : 0.8083</a:t>
+            </a:r>
+          </a:p>
+          <a:p>
+            <a:pPr marL="342900" indent="-342900">
+              <a:buFontTx/>
+              <a:buChar char="-"/>
+            </a:pPr>
+            <a:r>
+              <a:rPr lang="en-US" dirty="0"/>
+              <a:t>Eval Acc: 0.8310</a:t>
+            </a:r>
+          </a:p>
+          <a:p>
+            <a:pPr marL="342900" indent="-342900">
+              <a:buFontTx/>
+              <a:buChar char="-"/>
+            </a:pPr>
+            <a:endParaRPr lang="en-US" dirty="0"/>
+          </a:p>
+        </p:txBody>
+      </p:sp>
+    </p:spTree>
+    <p:extLst>
+      <p:ext uri="{BB962C8B-B14F-4D97-AF65-F5344CB8AC3E}">
+        <p14:creationId xmlns:p14="http://schemas.microsoft.com/office/powerpoint/2010/main" val="3539976402"/>
+      </p:ext>
+    </p:extLst>
+  </p:cSld>
+  <p:clrMapOvr>
+    <a:masterClrMapping/>
+  </p:clrMapOvr>
+</p:sld>
+</file>
+
+<file path=ppt/slides/slide7.xml><?xml version="1.0" encoding="utf-8"?>
+<p:sld xmlns:a="http://schemas.openxmlformats.org/drawingml/2006/main" xmlns:r="http://schemas.openxmlformats.org/officeDocument/2006/relationships" xmlns:p="http://schemas.openxmlformats.org/presentationml/2006/main">
+  <p:cSld>
+    <p:spTree>
+      <p:nvGrpSpPr>
+        <p:cNvPr id="1" name=""/>
+        <p:cNvGrpSpPr/>
+        <p:nvPr/>
+      </p:nvGrpSpPr>
+      <p:grpSpPr>
+        <a:xfrm>
+          <a:off x="0" y="0"/>
+          <a:ext cx="0" cy="0"/>
+          <a:chOff x="0" y="0"/>
+          <a:chExt cx="0" cy="0"/>
+        </a:xfrm>
+      </p:grpSpPr>
+      <p:sp>
+        <p:nvSpPr>
+          <p:cNvPr id="2" name="Title 1">
+            <a:extLst>
+              <a:ext uri="{FF2B5EF4-FFF2-40B4-BE49-F238E27FC236}">
                 <a16:creationId xmlns:a16="http://schemas.microsoft.com/office/drawing/2014/main" id="{67DF05EE-44EC-105E-AFBB-3B2875233B8B}"/>
               </a:ext>
             </a:extLst>
@@ -6448,8 +7071,8 @@
         </p:blipFill>
         <p:spPr>
           <a:xfrm>
-            <a:off x="945853" y="1335226"/>
-            <a:ext cx="1274529" cy="4344987"/>
+            <a:off x="945852" y="1335226"/>
+            <a:ext cx="1948911" cy="4737583"/>
           </a:xfrm>
           <a:prstGeom prst="rect">
             <a:avLst/>
@@ -6750,7 +7373,7 @@
 </p:sld>
 </file>
 
-<file path=ppt/slides/slide6.xml><?xml version="1.0" encoding="utf-8"?>
+<file path=ppt/slides/slide8.xml><?xml version="1.0" encoding="utf-8"?>
 <p:sld xmlns:a="http://schemas.openxmlformats.org/drawingml/2006/main" xmlns:r="http://schemas.openxmlformats.org/officeDocument/2006/relationships" xmlns:p="http://schemas.openxmlformats.org/presentationml/2006/main">
   <p:cSld>
     <p:spTree>
@@ -6918,7 +7541,7 @@
 </p:sld>
 </file>
 
-<file path=ppt/slides/slide7.xml><?xml version="1.0" encoding="utf-8"?>
+<file path=ppt/slides/slide9.xml><?xml version="1.0" encoding="utf-8"?>
 <p:sld xmlns:a="http://schemas.openxmlformats.org/drawingml/2006/main" xmlns:r="http://schemas.openxmlformats.org/officeDocument/2006/relationships" xmlns:p="http://schemas.openxmlformats.org/presentationml/2006/main">
   <p:cSld>
     <p:spTree>
@@ -7072,89 +7695,6 @@
     <p:extLst>
       <p:ext uri="{BB962C8B-B14F-4D97-AF65-F5344CB8AC3E}">
         <p14:creationId xmlns:p14="http://schemas.microsoft.com/office/powerpoint/2010/main" val="681739013"/>
-      </p:ext>
-    </p:extLst>
-  </p:cSld>
-  <p:clrMapOvr>
-    <a:masterClrMapping/>
-  </p:clrMapOvr>
-</p:sld>
-</file>
-
-<file path=ppt/slides/slide8.xml><?xml version="1.0" encoding="utf-8"?>
-<p:sld xmlns:a="http://schemas.openxmlformats.org/drawingml/2006/main" xmlns:r="http://schemas.openxmlformats.org/officeDocument/2006/relationships" xmlns:p="http://schemas.openxmlformats.org/presentationml/2006/main">
-  <p:cSld>
-    <p:spTree>
-      <p:nvGrpSpPr>
-        <p:cNvPr id="1" name=""/>
-        <p:cNvGrpSpPr/>
-        <p:nvPr/>
-      </p:nvGrpSpPr>
-      <p:grpSpPr>
-        <a:xfrm>
-          <a:off x="0" y="0"/>
-          <a:ext cx="0" cy="0"/>
-          <a:chOff x="0" y="0"/>
-          <a:chExt cx="0" cy="0"/>
-        </a:xfrm>
-      </p:grpSpPr>
-      <p:sp>
-        <p:nvSpPr>
-          <p:cNvPr id="2" name="Title 1">
-            <a:extLst>
-              <a:ext uri="{FF2B5EF4-FFF2-40B4-BE49-F238E27FC236}">
-                <a16:creationId xmlns:a16="http://schemas.microsoft.com/office/drawing/2014/main" id="{5C44F611-2495-BE87-37C6-16CA3B0313B0}"/>
-              </a:ext>
-            </a:extLst>
-          </p:cNvPr>
-          <p:cNvSpPr>
-            <a:spLocks noGrp="1"/>
-          </p:cNvSpPr>
-          <p:nvPr>
-            <p:ph type="title"/>
-          </p:nvPr>
-        </p:nvSpPr>
-        <p:spPr/>
-        <p:txBody>
-          <a:bodyPr/>
-          <a:lstStyle/>
-          <a:p>
-            <a:r>
-              <a:rPr lang="en-US" dirty="0"/>
-              <a:t>SHAP</a:t>
-            </a:r>
-          </a:p>
-        </p:txBody>
-      </p:sp>
-      <p:sp>
-        <p:nvSpPr>
-          <p:cNvPr id="3" name="Content Placeholder 2">
-            <a:extLst>
-              <a:ext uri="{FF2B5EF4-FFF2-40B4-BE49-F238E27FC236}">
-                <a16:creationId xmlns:a16="http://schemas.microsoft.com/office/drawing/2014/main" id="{5C057183-5FC9-514A-7085-E85728AFCDC0}"/>
-              </a:ext>
-            </a:extLst>
-          </p:cNvPr>
-          <p:cNvSpPr>
-            <a:spLocks noGrp="1"/>
-          </p:cNvSpPr>
-          <p:nvPr>
-            <p:ph sz="quarter" idx="10"/>
-          </p:nvPr>
-        </p:nvSpPr>
-        <p:spPr/>
-        <p:txBody>
-          <a:bodyPr/>
-          <a:lstStyle/>
-          <a:p>
-            <a:endParaRPr lang="en-US" dirty="0"/>
-          </a:p>
-        </p:txBody>
-      </p:sp>
-    </p:spTree>
-    <p:extLst>
-      <p:ext uri="{BB962C8B-B14F-4D97-AF65-F5344CB8AC3E}">
-        <p14:creationId xmlns:p14="http://schemas.microsoft.com/office/powerpoint/2010/main" val="3901789197"/>
       </p:ext>
     </p:extLst>
   </p:cSld>
